--- a/演讲ppt/演讲ppt.pptx
+++ b/演讲ppt/演讲ppt.pptx
@@ -5,12 +5,15 @@
     <p:sldMasterId id="2147483676" r:id="rId4"/>
   </p:sldMasterIdLst>
   <p:notesMasterIdLst>
-    <p:notesMasterId r:id="rId8"/>
+    <p:notesMasterId r:id="rId11"/>
   </p:notesMasterIdLst>
   <p:sldIdLst>
     <p:sldId id="282" r:id="rId5"/>
-    <p:sldId id="354" r:id="rId6"/>
-    <p:sldId id="355" r:id="rId7"/>
+    <p:sldId id="357" r:id="rId6"/>
+    <p:sldId id="358" r:id="rId7"/>
+    <p:sldId id="356" r:id="rId8"/>
+    <p:sldId id="359" r:id="rId9"/>
+    <p:sldId id="360" r:id="rId10"/>
   </p:sldIdLst>
   <p:sldSz cx="12192000" cy="6858000"/>
   <p:notesSz cx="6858000" cy="9144000"/>
@@ -812,7 +815,7 @@
           <a:p>
             <a:fld id="{E684386C-A282-474C-916F-5643B7244AC2}" type="datetimeFigureOut">
               <a:rPr lang="en-GB" smtClean="0"/>
-              <a:t>24/11/2023</a:t>
+              <a:t>06/06/2024</a:t>
             </a:fld>
             <a:endParaRPr lang="en-GB" dirty="0"/>
           </a:p>
@@ -1124,7 +1127,35 @@
           <a:bodyPr/>
           <a:lstStyle/>
           <a:p>
+            <a:r>
+              <a:rPr lang="en-GB" dirty="0"/>
+              <a:t>- Summary of last week:</a:t>
+            </a:r>
+          </a:p>
+          <a:p>
             <a:endParaRPr lang="en-GB" dirty="0"/>
+          </a:p>
+          <a:p>
+            <a:r>
+              <a:rPr lang="en-GB" dirty="0"/>
+              <a:t>  - Last week, [</a:t>
+            </a:r>
+            <a:r>
+              <a:rPr lang="en-GB" dirty="0" err="1"/>
+              <a:t>neuroidss</a:t>
+            </a:r>
+            <a:r>
+              <a:rPr lang="en-GB" dirty="0"/>
+              <a:t>/FreeEEG32-beta: as FreeEEG32 plus alpha1.5 test passed, FreeEEG32 project changed to beta version (github.com)](https://github.com/neuroidss/FreeEEG32-beta?tab=readme -</a:t>
+            </a:r>
+            <a:r>
+              <a:rPr lang="en-GB" dirty="0" err="1"/>
+              <a:t>ov</a:t>
+            </a:r>
+            <a:r>
+              <a:rPr lang="en-GB" dirty="0"/>
+              <a:t>-file) After a thorough understanding of related projects, we are ready to first use Myoware2.0 to simulate the functions of our development board.</a:t>
+            </a:r>
           </a:p>
         </p:txBody>
       </p:sp>
@@ -1155,6 +1186,185 @@
     <p:extLst>
       <p:ext uri="{BB962C8B-B14F-4D97-AF65-F5344CB8AC3E}">
         <p14:creationId xmlns:p14="http://schemas.microsoft.com/office/powerpoint/2010/main" val="2299426603"/>
+      </p:ext>
+    </p:extLst>
+  </p:cSld>
+  <p:clrMapOvr>
+    <a:masterClrMapping/>
+  </p:clrMapOvr>
+</p:notes>
+</file>
+
+<file path=ppt/notesSlides/notesSlide2.xml><?xml version="1.0" encoding="utf-8"?>
+<p:notes xmlns:a="http://schemas.openxmlformats.org/drawingml/2006/main" xmlns:r="http://schemas.openxmlformats.org/officeDocument/2006/relationships" xmlns:p="http://schemas.openxmlformats.org/presentationml/2006/main">
+  <p:cSld>
+    <p:spTree>
+      <p:nvGrpSpPr>
+        <p:cNvPr id="1" name=""/>
+        <p:cNvGrpSpPr/>
+        <p:nvPr/>
+      </p:nvGrpSpPr>
+      <p:grpSpPr>
+        <a:xfrm>
+          <a:off x="0" y="0"/>
+          <a:ext cx="0" cy="0"/>
+          <a:chOff x="0" y="0"/>
+          <a:chExt cx="0" cy="0"/>
+        </a:xfrm>
+      </p:grpSpPr>
+      <p:sp>
+        <p:nvSpPr>
+          <p:cNvPr id="2" name="幻灯片图像占位符 1"/>
+          <p:cNvSpPr>
+            <a:spLocks noGrp="1" noRot="1" noChangeAspect="1"/>
+          </p:cNvSpPr>
+          <p:nvPr>
+            <p:ph type="sldImg"/>
+          </p:nvPr>
+        </p:nvSpPr>
+        <p:spPr/>
+      </p:sp>
+      <p:sp>
+        <p:nvSpPr>
+          <p:cNvPr id="3" name="备注占位符 2"/>
+          <p:cNvSpPr>
+            <a:spLocks noGrp="1"/>
+          </p:cNvSpPr>
+          <p:nvPr>
+            <p:ph type="body" idx="1"/>
+          </p:nvPr>
+        </p:nvSpPr>
+        <p:spPr/>
+        <p:txBody>
+          <a:bodyPr/>
+          <a:lstStyle/>
+          <a:p>
+            <a:pPr marL="0" marR="0" lvl="0" indent="0" algn="l" defTabSz="914400" rtl="0" eaLnBrk="1" fontAlgn="auto" latinLnBrk="0" hangingPunct="1">
+              <a:lnSpc>
+                <a:spcPct val="100000"/>
+              </a:lnSpc>
+              <a:spcBef>
+                <a:spcPts val="0"/>
+              </a:spcBef>
+              <a:spcAft>
+                <a:spcPts val="0"/>
+              </a:spcAft>
+              <a:buClrTx/>
+              <a:buSzTx/>
+              <a:buFontTx/>
+              <a:buNone/>
+              <a:tabLst/>
+              <a:defRPr/>
+            </a:pPr>
+            <a:r>
+              <a:rPr lang="en-GB" altLang="zh-CN" dirty="0"/>
+              <a:t>- Although our board </a:t>
+            </a:r>
+            <a:r>
+              <a:rPr lang="en-GB" altLang="zh-CN" dirty="0" err="1"/>
+              <a:t>SparkFun</a:t>
+            </a:r>
+            <a:r>
+              <a:rPr lang="en-GB" altLang="zh-CN" dirty="0"/>
+              <a:t> </a:t>
+            </a:r>
+            <a:r>
+              <a:rPr lang="en-GB" altLang="zh-CN" dirty="0" err="1"/>
+              <a:t>RedBoard</a:t>
+            </a:r>
+            <a:r>
+              <a:rPr lang="en-GB" altLang="zh-CN" dirty="0"/>
+              <a:t> Plus can realize direct connection between two boards through </a:t>
+            </a:r>
+            <a:r>
+              <a:rPr lang="en-GB" altLang="zh-CN" dirty="0" err="1"/>
+              <a:t>MyoWare</a:t>
+            </a:r>
+            <a:r>
+              <a:rPr lang="en-GB" altLang="zh-CN" dirty="0"/>
+              <a:t> 2.0 Arduino Shield, since </a:t>
+            </a:r>
+            <a:r>
+              <a:rPr lang="en-GB" altLang="zh-CN" dirty="0" err="1"/>
+              <a:t>RedBoard</a:t>
+            </a:r>
+            <a:r>
+              <a:rPr lang="en-GB" altLang="zh-CN" dirty="0"/>
+              <a:t> Plus does not have </a:t>
+            </a:r>
+            <a:r>
+              <a:rPr lang="en-GB" altLang="zh-CN" dirty="0" err="1"/>
+              <a:t>WiFi</a:t>
+            </a:r>
+            <a:r>
+              <a:rPr lang="en-GB" altLang="zh-CN" dirty="0"/>
+              <a:t> or Bluetooth function, we subsequently purchased a ULP </a:t>
+            </a:r>
+            <a:r>
+              <a:rPr lang="en-GB" altLang="zh-CN" dirty="0" err="1"/>
+              <a:t>WiFi</a:t>
+            </a:r>
+            <a:r>
+              <a:rPr lang="en-GB" altLang="zh-CN" dirty="0"/>
+              <a:t> DA16200 R3 extended version and used two </a:t>
+            </a:r>
+            <a:r>
+              <a:rPr lang="en-GB" altLang="zh-CN" dirty="0" err="1"/>
+              <a:t>SparkFun</a:t>
+            </a:r>
+            <a:r>
+              <a:rPr lang="en-GB" altLang="zh-CN" dirty="0"/>
+              <a:t> </a:t>
+            </a:r>
+            <a:r>
+              <a:rPr lang="en-GB" altLang="zh-CN" dirty="0" err="1"/>
+              <a:t>RedBoard</a:t>
+            </a:r>
+            <a:r>
+              <a:rPr lang="en-GB" altLang="zh-CN" dirty="0"/>
+              <a:t> Plus The expansion hole on the side is soldered for connecting the </a:t>
+            </a:r>
+            <a:r>
+              <a:rPr lang="en-GB" altLang="zh-CN" dirty="0" err="1"/>
+              <a:t>MyoWare</a:t>
+            </a:r>
+            <a:r>
+              <a:rPr lang="en-GB" altLang="zh-CN" dirty="0"/>
+              <a:t> 2.0 Arduino Shield</a:t>
+            </a:r>
+          </a:p>
+          <a:p>
+            <a:endParaRPr lang="zh-CN" altLang="en-US" dirty="0"/>
+          </a:p>
+        </p:txBody>
+      </p:sp>
+      <p:sp>
+        <p:nvSpPr>
+          <p:cNvPr id="4" name="灯片编号占位符 3"/>
+          <p:cNvSpPr>
+            <a:spLocks noGrp="1"/>
+          </p:cNvSpPr>
+          <p:nvPr>
+            <p:ph type="sldNum" sz="quarter" idx="5"/>
+          </p:nvPr>
+        </p:nvSpPr>
+        <p:spPr/>
+        <p:txBody>
+          <a:bodyPr/>
+          <a:lstStyle/>
+          <a:p>
+            <a:fld id="{2C3B30EB-5EE9-4AED-A7B2-9594801858A3}" type="slidenum">
+              <a:rPr lang="en-GB" smtClean="0"/>
+              <a:t>2</a:t>
+            </a:fld>
+            <a:endParaRPr lang="en-GB" dirty="0"/>
+          </a:p>
+        </p:txBody>
+      </p:sp>
+    </p:spTree>
+    <p:extLst>
+      <p:ext uri="{BB962C8B-B14F-4D97-AF65-F5344CB8AC3E}">
+        <p14:creationId xmlns:p14="http://schemas.microsoft.com/office/powerpoint/2010/main" val="2553183408"/>
       </p:ext>
     </p:extLst>
   </p:cSld>
@@ -1295,7 +1505,7 @@
           <a:p>
             <a:fld id="{C764DE79-268F-4C1A-8933-263129D2AF90}" type="datetimeFigureOut">
               <a:rPr lang="en-US" dirty="0"/>
-              <a:t>11/24/2023</a:t>
+              <a:t>6/6/2024</a:t>
             </a:fld>
             <a:endParaRPr lang="en-US" dirty="0"/>
           </a:p>
@@ -1466,7 +1676,7 @@
           <a:p>
             <a:fld id="{C764DE79-268F-4C1A-8933-263129D2AF90}" type="datetimeFigureOut">
               <a:rPr lang="en-US" dirty="0"/>
-              <a:t>11/24/2023</a:t>
+              <a:t>6/6/2024</a:t>
             </a:fld>
             <a:endParaRPr lang="en-US" dirty="0"/>
           </a:p>
@@ -1647,7 +1857,7 @@
           <a:p>
             <a:fld id="{C764DE79-268F-4C1A-8933-263129D2AF90}" type="datetimeFigureOut">
               <a:rPr lang="en-US" dirty="0"/>
-              <a:t>11/24/2023</a:t>
+              <a:t>6/6/2024</a:t>
             </a:fld>
             <a:endParaRPr lang="en-US" dirty="0"/>
           </a:p>
@@ -3808,7 +4018,7 @@
           <a:p>
             <a:fld id="{C764DE79-268F-4C1A-8933-263129D2AF90}" type="datetimeFigureOut">
               <a:rPr lang="en-US" dirty="0"/>
-              <a:t>11/24/2023</a:t>
+              <a:t>6/6/2024</a:t>
             </a:fld>
             <a:endParaRPr lang="en-US" dirty="0"/>
           </a:p>
@@ -4205,7 +4415,7 @@
           <a:p>
             <a:fld id="{C764DE79-268F-4C1A-8933-263129D2AF90}" type="datetimeFigureOut">
               <a:rPr lang="en-US" dirty="0"/>
-              <a:t>11/24/2023</a:t>
+              <a:t>6/6/2024</a:t>
             </a:fld>
             <a:endParaRPr lang="en-US" dirty="0"/>
           </a:p>
@@ -4438,7 +4648,7 @@
           <a:p>
             <a:fld id="{C764DE79-268F-4C1A-8933-263129D2AF90}" type="datetimeFigureOut">
               <a:rPr lang="en-US" dirty="0"/>
-              <a:t>11/24/2023</a:t>
+              <a:t>6/6/2024</a:t>
             </a:fld>
             <a:endParaRPr lang="en-US" dirty="0"/>
           </a:p>
@@ -4806,7 +5016,7 @@
           <a:p>
             <a:fld id="{C764DE79-268F-4C1A-8933-263129D2AF90}" type="datetimeFigureOut">
               <a:rPr lang="en-US" dirty="0"/>
-              <a:t>11/24/2023</a:t>
+              <a:t>6/6/2024</a:t>
             </a:fld>
             <a:endParaRPr lang="en-US" dirty="0"/>
           </a:p>
@@ -4925,7 +5135,7 @@
           <a:p>
             <a:fld id="{C764DE79-268F-4C1A-8933-263129D2AF90}" type="datetimeFigureOut">
               <a:rPr lang="en-US" dirty="0"/>
-              <a:t>11/24/2023</a:t>
+              <a:t>6/6/2024</a:t>
             </a:fld>
             <a:endParaRPr lang="en-US" dirty="0"/>
           </a:p>
@@ -5021,7 +5231,7 @@
           <a:p>
             <a:fld id="{C764DE79-268F-4C1A-8933-263129D2AF90}" type="datetimeFigureOut">
               <a:rPr lang="en-US" dirty="0"/>
-              <a:t>11/24/2023</a:t>
+              <a:t>6/6/2024</a:t>
             </a:fld>
             <a:endParaRPr lang="en-US" dirty="0"/>
           </a:p>
@@ -5299,7 +5509,7 @@
           <a:p>
             <a:fld id="{C764DE79-268F-4C1A-8933-263129D2AF90}" type="datetimeFigureOut">
               <a:rPr lang="en-US" dirty="0"/>
-              <a:t>11/24/2023</a:t>
+              <a:t>6/6/2024</a:t>
             </a:fld>
             <a:endParaRPr lang="en-US" dirty="0"/>
           </a:p>
@@ -5556,7 +5766,7 @@
           <a:p>
             <a:fld id="{C764DE79-268F-4C1A-8933-263129D2AF90}" type="datetimeFigureOut">
               <a:rPr lang="en-US" dirty="0"/>
-              <a:t>11/24/2023</a:t>
+              <a:t>6/6/2024</a:t>
             </a:fld>
             <a:endParaRPr lang="en-US" dirty="0"/>
           </a:p>
@@ -5770,7 +5980,7 @@
           <a:p>
             <a:fld id="{C764DE79-268F-4C1A-8933-263129D2AF90}" type="datetimeFigureOut">
               <a:rPr lang="en-US" dirty="0"/>
-              <a:t>11/24/2023</a:t>
+              <a:t>6/6/2024</a:t>
             </a:fld>
             <a:endParaRPr lang="en-US" dirty="0"/>
           </a:p>
@@ -6286,14 +6496,6 @@
           </a:p>
           <a:p>
             <a:pPr algn="ctr"/>
-            <a:r>
-              <a:rPr lang="en-GB" sz="4800" b="1" dirty="0">
-                <a:latin typeface="Arial" charset="0"/>
-                <a:ea typeface="Arial" charset="0"/>
-                <a:cs typeface="Arial" charset="0"/>
-              </a:rPr>
-              <a:t/>
-            </a:r>
             <a:br>
               <a:rPr lang="en-GB" sz="4800" b="1" dirty="0">
                 <a:latin typeface="Arial" charset="0"/>
@@ -6302,21 +6504,13 @@
               </a:rPr>
             </a:br>
             <a:r>
-              <a:rPr lang="en-GB" sz="4800" b="1" dirty="0" smtClean="0">
+              <a:rPr lang="en-GB" sz="4800" b="1" dirty="0">
                 <a:latin typeface="Arial" charset="0"/>
                 <a:ea typeface="Arial" charset="0"/>
                 <a:cs typeface="Arial" charset="0"/>
               </a:rPr>
-              <a:t>Title (should relate to content)</a:t>
-            </a:r>
-            <a:endParaRPr lang="en-GB" sz="5400" b="1" dirty="0">
-              <a:latin typeface="Arial" charset="0"/>
-              <a:ea typeface="Arial" charset="0"/>
-              <a:cs typeface="Arial" charset="0"/>
-            </a:endParaRPr>
-          </a:p>
-          <a:p>
-            <a:pPr algn="ctr"/>
+              <a:t>Week 28 Summary</a:t>
+            </a:r>
             <a:endParaRPr lang="en-GB" sz="5400" b="1" dirty="0">
               <a:latin typeface="Arial" charset="0"/>
               <a:ea typeface="Arial" charset="0"/>
@@ -6572,32 +6766,27 @@
           <a:lstStyle/>
           <a:p>
             <a:r>
-              <a:rPr lang="en-GB" b="1" dirty="0" smtClean="0">
+              <a:rPr lang="en-GB" b="1" dirty="0">
                 <a:latin typeface="Arial" charset="0"/>
                 <a:ea typeface="Arial" charset="0"/>
                 <a:cs typeface="Arial" charset="0"/>
               </a:rPr>
-              <a:t>Student Name</a:t>
-            </a:r>
-            <a:endParaRPr lang="en-GB" b="1" dirty="0">
-              <a:latin typeface="Arial" charset="0"/>
-              <a:ea typeface="Arial" charset="0"/>
-              <a:cs typeface="Arial" charset="0"/>
-            </a:endParaRPr>
-          </a:p>
-          <a:p>
-            <a:r>
-              <a:rPr lang="en-GB" dirty="0" smtClean="0">
+              <a:t>Junnan Liu</a:t>
+            </a:r>
+          </a:p>
+          <a:p>
+            <a:r>
+              <a:rPr lang="en-GB" dirty="0">
                 <a:latin typeface="Arial" charset="0"/>
                 <a:ea typeface="Arial" charset="0"/>
                 <a:cs typeface="Arial" charset="0"/>
               </a:rPr>
-              <a:t>Student Number</a:t>
-            </a:r>
-          </a:p>
-          <a:p>
-            <a:r>
-              <a:rPr lang="en-GB" dirty="0" smtClean="0">
+              <a:t>201715540</a:t>
+            </a:r>
+          </a:p>
+          <a:p>
+            <a:r>
+              <a:rPr lang="en-GB" dirty="0">
                 <a:solidFill>
                   <a:srgbClr val="0000FF"/>
                 </a:solidFill>
@@ -6605,16 +6794,8 @@
                 <a:ea typeface="Arial" charset="0"/>
                 <a:cs typeface="Arial" charset="0"/>
               </a:rPr>
-              <a:t>Email address </a:t>
-            </a:r>
-            <a:endParaRPr lang="en-GB" dirty="0">
-              <a:solidFill>
-                <a:srgbClr val="0000FF"/>
-              </a:solidFill>
-              <a:latin typeface="Arial" charset="0"/>
-              <a:ea typeface="Arial" charset="0"/>
-              <a:cs typeface="Arial" charset="0"/>
-            </a:endParaRPr>
+              <a:t>el23jl2@leeds.ac.uk</a:t>
+            </a:r>
           </a:p>
         </p:txBody>
       </p:sp>
@@ -6628,13 +6809,6 @@
   <p:clrMapOvr>
     <a:masterClrMapping/>
   </p:clrMapOvr>
-  <p:timing>
-    <p:tnLst>
-      <p:par>
-        <p:cTn id="1" dur="indefinite" restart="never" nodeType="tmRoot"/>
-      </p:par>
-    </p:tnLst>
-  </p:timing>
 </p:sld>
 </file>
 
@@ -6657,10 +6831,10 @@
       </p:grpSpPr>
       <p:sp>
         <p:nvSpPr>
-          <p:cNvPr id="4" name="Slide Number Placeholder 5">
+          <p:cNvPr id="3" name="灯片编号占位符 2">
             <a:extLst>
               <a:ext uri="{FF2B5EF4-FFF2-40B4-BE49-F238E27FC236}">
-                <a16:creationId xmlns:a16="http://schemas.microsoft.com/office/drawing/2014/main" id="{D4CA5C3B-5C8C-FA2F-E540-0439B1DE272B}"/>
+                <a16:creationId xmlns:a16="http://schemas.microsoft.com/office/drawing/2014/main" id="{8AD120CF-ED07-9EE9-CE26-03224859808A}"/>
               </a:ext>
             </a:extLst>
           </p:cNvPr>
@@ -6668,15 +6842,10 @@
             <a:spLocks noGrp="1"/>
           </p:cNvSpPr>
           <p:nvPr>
-            <p:ph type="sldNum" sz="quarter" idx="12"/>
-          </p:nvPr>
-        </p:nvSpPr>
-        <p:spPr>
-          <a:xfrm>
-            <a:off x="11355753" y="6466497"/>
-            <a:ext cx="795214" cy="365125"/>
-          </a:xfrm>
-        </p:spPr>
+            <p:ph type="sldNum" sz="quarter" idx="11"/>
+          </p:nvPr>
+        </p:nvSpPr>
+        <p:spPr/>
         <p:txBody>
           <a:bodyPr/>
           <a:lstStyle/>
@@ -6689,25 +6858,515 @@
           </a:p>
         </p:txBody>
       </p:sp>
-      <p:sp>
-        <p:nvSpPr>
-          <p:cNvPr id="5" name="Text Placeholder 1"/>
-          <p:cNvSpPr txBox="1">
-            <a:spLocks/>
-          </p:cNvSpPr>
+      <p:pic>
+        <p:nvPicPr>
+          <p:cNvPr id="5" name="图片 4">
+            <a:extLst>
+              <a:ext uri="{FF2B5EF4-FFF2-40B4-BE49-F238E27FC236}">
+                <a16:creationId xmlns:a16="http://schemas.microsoft.com/office/drawing/2014/main" id="{F1A20210-DE51-EE79-F031-DA0C2D234885}"/>
+              </a:ext>
+            </a:extLst>
+          </p:cNvPr>
+          <p:cNvPicPr>
+            <a:picLocks noChangeAspect="1"/>
+          </p:cNvPicPr>
           <p:nvPr/>
-        </p:nvSpPr>
+        </p:nvPicPr>
+        <p:blipFill>
+          <a:blip r:embed="rId3"/>
+          <a:stretch>
+            <a:fillRect/>
+          </a:stretch>
+        </p:blipFill>
         <p:spPr>
           <a:xfrm>
-            <a:off x="376350" y="1549609"/>
-            <a:ext cx="11439299" cy="5012565"/>
+            <a:off x="1090934" y="1898519"/>
+            <a:ext cx="3071862" cy="2628876"/>
           </a:xfrm>
           <a:prstGeom prst="rect">
             <a:avLst/>
           </a:prstGeom>
         </p:spPr>
+      </p:pic>
+      <p:pic>
+        <p:nvPicPr>
+          <p:cNvPr id="7" name="图片 6">
+            <a:extLst>
+              <a:ext uri="{FF2B5EF4-FFF2-40B4-BE49-F238E27FC236}">
+                <a16:creationId xmlns:a16="http://schemas.microsoft.com/office/drawing/2014/main" id="{016659EB-1A34-66F2-90A6-68141FB6105A}"/>
+              </a:ext>
+            </a:extLst>
+          </p:cNvPr>
+          <p:cNvPicPr>
+            <a:picLocks noChangeAspect="1"/>
+          </p:cNvPicPr>
+          <p:nvPr/>
+        </p:nvPicPr>
+        <p:blipFill>
+          <a:blip r:embed="rId4"/>
+          <a:stretch>
+            <a:fillRect/>
+          </a:stretch>
+        </p:blipFill>
+        <p:spPr>
+          <a:xfrm>
+            <a:off x="4371235" y="1956490"/>
+            <a:ext cx="3449530" cy="2727022"/>
+          </a:xfrm>
+          <a:prstGeom prst="rect">
+            <a:avLst/>
+          </a:prstGeom>
+        </p:spPr>
+      </p:pic>
+      <p:pic>
+        <p:nvPicPr>
+          <p:cNvPr id="9" name="图片 8">
+            <a:extLst>
+              <a:ext uri="{FF2B5EF4-FFF2-40B4-BE49-F238E27FC236}">
+                <a16:creationId xmlns:a16="http://schemas.microsoft.com/office/drawing/2014/main" id="{E9F5C376-0B43-534A-6635-78998A22D320}"/>
+              </a:ext>
+            </a:extLst>
+          </p:cNvPr>
+          <p:cNvPicPr>
+            <a:picLocks noChangeAspect="1"/>
+          </p:cNvPicPr>
+          <p:nvPr/>
+        </p:nvPicPr>
+        <p:blipFill>
+          <a:blip r:embed="rId5"/>
+          <a:stretch>
+            <a:fillRect/>
+          </a:stretch>
+        </p:blipFill>
+        <p:spPr>
+          <a:xfrm>
+            <a:off x="8091566" y="2173284"/>
+            <a:ext cx="3621434" cy="2293434"/>
+          </a:xfrm>
+          <a:prstGeom prst="rect">
+            <a:avLst/>
+          </a:prstGeom>
+        </p:spPr>
+      </p:pic>
+    </p:spTree>
+    <p:extLst>
+      <p:ext uri="{BB962C8B-B14F-4D97-AF65-F5344CB8AC3E}">
+        <p14:creationId xmlns:p14="http://schemas.microsoft.com/office/powerpoint/2010/main" val="3360468993"/>
+      </p:ext>
+    </p:extLst>
+  </p:cSld>
+  <p:clrMapOvr>
+    <a:masterClrMapping/>
+  </p:clrMapOvr>
+</p:sld>
+</file>
+
+<file path=ppt/slides/slide3.xml><?xml version="1.0" encoding="utf-8"?>
+<p:sld xmlns:a="http://schemas.openxmlformats.org/drawingml/2006/main" xmlns:r="http://schemas.openxmlformats.org/officeDocument/2006/relationships" xmlns:p="http://schemas.openxmlformats.org/presentationml/2006/main">
+  <p:cSld>
+    <p:spTree>
+      <p:nvGrpSpPr>
+        <p:cNvPr id="1" name=""/>
+        <p:cNvGrpSpPr/>
+        <p:nvPr/>
+      </p:nvGrpSpPr>
+      <p:grpSpPr>
+        <a:xfrm>
+          <a:off x="0" y="0"/>
+          <a:ext cx="0" cy="0"/>
+          <a:chOff x="0" y="0"/>
+          <a:chExt cx="0" cy="0"/>
+        </a:xfrm>
+      </p:grpSpPr>
+      <p:sp>
+        <p:nvSpPr>
+          <p:cNvPr id="3" name="灯片编号占位符 2">
+            <a:extLst>
+              <a:ext uri="{FF2B5EF4-FFF2-40B4-BE49-F238E27FC236}">
+                <a16:creationId xmlns:a16="http://schemas.microsoft.com/office/drawing/2014/main" id="{8AD120CF-ED07-9EE9-CE26-03224859808A}"/>
+              </a:ext>
+            </a:extLst>
+          </p:cNvPr>
+          <p:cNvSpPr>
+            <a:spLocks noGrp="1"/>
+          </p:cNvSpPr>
+          <p:nvPr>
+            <p:ph type="sldNum" sz="quarter" idx="11"/>
+          </p:nvPr>
+        </p:nvSpPr>
+        <p:spPr/>
         <p:txBody>
           <a:bodyPr/>
+          <a:lstStyle/>
+          <a:p>
+            <a:fld id="{506475BB-7A9F-4217-B5ED-DF9B470C378D}" type="slidenum">
+              <a:rPr lang="en-GB" smtClean="0"/>
+              <a:t>3</a:t>
+            </a:fld>
+            <a:endParaRPr lang="en-GB" dirty="0"/>
+          </a:p>
+        </p:txBody>
+      </p:sp>
+      <p:pic>
+        <p:nvPicPr>
+          <p:cNvPr id="4" name="图片 3" descr="图片包含 游戏机&#10;&#10;描述已自动生成">
+            <a:extLst>
+              <a:ext uri="{FF2B5EF4-FFF2-40B4-BE49-F238E27FC236}">
+                <a16:creationId xmlns:a16="http://schemas.microsoft.com/office/drawing/2014/main" id="{2A719B09-8058-E501-0441-361F3ACB08CE}"/>
+              </a:ext>
+            </a:extLst>
+          </p:cNvPr>
+          <p:cNvPicPr>
+            <a:picLocks noChangeAspect="1"/>
+          </p:cNvPicPr>
+          <p:nvPr/>
+        </p:nvPicPr>
+        <p:blipFill>
+          <a:blip r:embed="rId2"/>
+          <a:stretch>
+            <a:fillRect/>
+          </a:stretch>
+        </p:blipFill>
+        <p:spPr>
+          <a:xfrm>
+            <a:off x="1576039" y="1386586"/>
+            <a:ext cx="3865756" cy="5152326"/>
+          </a:xfrm>
+          <a:prstGeom prst="rect">
+            <a:avLst/>
+          </a:prstGeom>
+        </p:spPr>
+      </p:pic>
+    </p:spTree>
+    <p:extLst>
+      <p:ext uri="{BB962C8B-B14F-4D97-AF65-F5344CB8AC3E}">
+        <p14:creationId xmlns:p14="http://schemas.microsoft.com/office/powerpoint/2010/main" val="697862425"/>
+      </p:ext>
+    </p:extLst>
+  </p:cSld>
+  <p:clrMapOvr>
+    <a:masterClrMapping/>
+  </p:clrMapOvr>
+</p:sld>
+</file>
+
+<file path=ppt/slides/slide4.xml><?xml version="1.0" encoding="utf-8"?>
+<p:sld xmlns:a="http://schemas.openxmlformats.org/drawingml/2006/main" xmlns:r="http://schemas.openxmlformats.org/officeDocument/2006/relationships" xmlns:p="http://schemas.openxmlformats.org/presentationml/2006/main">
+  <p:cSld>
+    <p:spTree>
+      <p:nvGrpSpPr>
+        <p:cNvPr id="1" name=""/>
+        <p:cNvGrpSpPr/>
+        <p:nvPr/>
+      </p:nvGrpSpPr>
+      <p:grpSpPr>
+        <a:xfrm>
+          <a:off x="0" y="0"/>
+          <a:ext cx="0" cy="0"/>
+          <a:chOff x="0" y="0"/>
+          <a:chExt cx="0" cy="0"/>
+        </a:xfrm>
+      </p:grpSpPr>
+      <p:sp>
+        <p:nvSpPr>
+          <p:cNvPr id="3" name="灯片编号占位符 2">
+            <a:extLst>
+              <a:ext uri="{FF2B5EF4-FFF2-40B4-BE49-F238E27FC236}">
+                <a16:creationId xmlns:a16="http://schemas.microsoft.com/office/drawing/2014/main" id="{4E8DF883-40D0-5AE5-A300-E4BA88238A85}"/>
+              </a:ext>
+            </a:extLst>
+          </p:cNvPr>
+          <p:cNvSpPr>
+            <a:spLocks noGrp="1"/>
+          </p:cNvSpPr>
+          <p:nvPr>
+            <p:ph type="sldNum" sz="quarter" idx="11"/>
+          </p:nvPr>
+        </p:nvSpPr>
+        <p:spPr/>
+        <p:txBody>
+          <a:bodyPr/>
+          <a:lstStyle/>
+          <a:p>
+            <a:fld id="{506475BB-7A9F-4217-B5ED-DF9B470C378D}" type="slidenum">
+              <a:rPr lang="en-GB" smtClean="0"/>
+              <a:t>4</a:t>
+            </a:fld>
+            <a:endParaRPr lang="en-GB" dirty="0"/>
+          </a:p>
+        </p:txBody>
+      </p:sp>
+      <p:pic>
+        <p:nvPicPr>
+          <p:cNvPr id="5" name="图片 4">
+            <a:extLst>
+              <a:ext uri="{FF2B5EF4-FFF2-40B4-BE49-F238E27FC236}">
+                <a16:creationId xmlns:a16="http://schemas.microsoft.com/office/drawing/2014/main" id="{47AE48D8-8336-E527-C117-90A89A67D852}"/>
+              </a:ext>
+            </a:extLst>
+          </p:cNvPr>
+          <p:cNvPicPr>
+            <a:picLocks noChangeAspect="1"/>
+          </p:cNvPicPr>
+          <p:nvPr/>
+        </p:nvPicPr>
+        <p:blipFill>
+          <a:blip r:embed="rId2"/>
+          <a:stretch>
+            <a:fillRect/>
+          </a:stretch>
+        </p:blipFill>
+        <p:spPr>
+          <a:xfrm>
+            <a:off x="860855" y="1270990"/>
+            <a:ext cx="7541740" cy="5634456"/>
+          </a:xfrm>
+          <a:prstGeom prst="rect">
+            <a:avLst/>
+          </a:prstGeom>
+        </p:spPr>
+      </p:pic>
+    </p:spTree>
+    <p:extLst>
+      <p:ext uri="{BB962C8B-B14F-4D97-AF65-F5344CB8AC3E}">
+        <p14:creationId xmlns:p14="http://schemas.microsoft.com/office/powerpoint/2010/main" val="3007786908"/>
+      </p:ext>
+    </p:extLst>
+  </p:cSld>
+  <p:clrMapOvr>
+    <a:masterClrMapping/>
+  </p:clrMapOvr>
+</p:sld>
+</file>
+
+<file path=ppt/slides/slide5.xml><?xml version="1.0" encoding="utf-8"?>
+<p:sld xmlns:a="http://schemas.openxmlformats.org/drawingml/2006/main" xmlns:r="http://schemas.openxmlformats.org/officeDocument/2006/relationships" xmlns:p="http://schemas.openxmlformats.org/presentationml/2006/main">
+  <p:cSld>
+    <p:spTree>
+      <p:nvGrpSpPr>
+        <p:cNvPr id="1" name=""/>
+        <p:cNvGrpSpPr/>
+        <p:nvPr/>
+      </p:nvGrpSpPr>
+      <p:grpSpPr>
+        <a:xfrm>
+          <a:off x="0" y="0"/>
+          <a:ext cx="0" cy="0"/>
+          <a:chOff x="0" y="0"/>
+          <a:chExt cx="0" cy="0"/>
+        </a:xfrm>
+      </p:grpSpPr>
+      <p:sp>
+        <p:nvSpPr>
+          <p:cNvPr id="3" name="灯片编号占位符 2">
+            <a:extLst>
+              <a:ext uri="{FF2B5EF4-FFF2-40B4-BE49-F238E27FC236}">
+                <a16:creationId xmlns:a16="http://schemas.microsoft.com/office/drawing/2014/main" id="{410F8850-B335-23D4-AFEC-912051403DF7}"/>
+              </a:ext>
+            </a:extLst>
+          </p:cNvPr>
+          <p:cNvSpPr>
+            <a:spLocks noGrp="1"/>
+          </p:cNvSpPr>
+          <p:nvPr>
+            <p:ph type="sldNum" sz="quarter" idx="11"/>
+          </p:nvPr>
+        </p:nvSpPr>
+        <p:spPr/>
+        <p:txBody>
+          <a:bodyPr/>
+          <a:lstStyle/>
+          <a:p>
+            <a:fld id="{506475BB-7A9F-4217-B5ED-DF9B470C378D}" type="slidenum">
+              <a:rPr lang="en-GB" smtClean="0"/>
+              <a:t>5</a:t>
+            </a:fld>
+            <a:endParaRPr lang="en-GB" dirty="0"/>
+          </a:p>
+        </p:txBody>
+      </p:sp>
+      <p:pic>
+        <p:nvPicPr>
+          <p:cNvPr id="7" name="图片 6">
+            <a:extLst>
+              <a:ext uri="{FF2B5EF4-FFF2-40B4-BE49-F238E27FC236}">
+                <a16:creationId xmlns:a16="http://schemas.microsoft.com/office/drawing/2014/main" id="{D473E324-52F3-C2DF-BDF5-86EB586ABF41}"/>
+              </a:ext>
+            </a:extLst>
+          </p:cNvPr>
+          <p:cNvPicPr>
+            <a:picLocks noChangeAspect="1"/>
+          </p:cNvPicPr>
+          <p:nvPr/>
+        </p:nvPicPr>
+        <p:blipFill>
+          <a:blip r:embed="rId2"/>
+          <a:stretch>
+            <a:fillRect/>
+          </a:stretch>
+        </p:blipFill>
+        <p:spPr>
+          <a:xfrm>
+            <a:off x="706881" y="1505570"/>
+            <a:ext cx="4488950" cy="4850780"/>
+          </a:xfrm>
+          <a:prstGeom prst="rect">
+            <a:avLst/>
+          </a:prstGeom>
+        </p:spPr>
+      </p:pic>
+      <p:pic>
+        <p:nvPicPr>
+          <p:cNvPr id="9" name="图片 8">
+            <a:extLst>
+              <a:ext uri="{FF2B5EF4-FFF2-40B4-BE49-F238E27FC236}">
+                <a16:creationId xmlns:a16="http://schemas.microsoft.com/office/drawing/2014/main" id="{EC754315-FCD8-1D4D-6847-F4C0EC0374A4}"/>
+              </a:ext>
+            </a:extLst>
+          </p:cNvPr>
+          <p:cNvPicPr>
+            <a:picLocks noChangeAspect="1"/>
+          </p:cNvPicPr>
+          <p:nvPr/>
+        </p:nvPicPr>
+        <p:blipFill>
+          <a:blip r:embed="rId3"/>
+          <a:stretch>
+            <a:fillRect/>
+          </a:stretch>
+        </p:blipFill>
+        <p:spPr>
+          <a:xfrm>
+            <a:off x="5280293" y="3058777"/>
+            <a:ext cx="6839415" cy="1012251"/>
+          </a:xfrm>
+          <a:prstGeom prst="rect">
+            <a:avLst/>
+          </a:prstGeom>
+        </p:spPr>
+      </p:pic>
+    </p:spTree>
+    <p:extLst>
+      <p:ext uri="{BB962C8B-B14F-4D97-AF65-F5344CB8AC3E}">
+        <p14:creationId xmlns:p14="http://schemas.microsoft.com/office/powerpoint/2010/main" val="895103453"/>
+      </p:ext>
+    </p:extLst>
+  </p:cSld>
+  <p:clrMapOvr>
+    <a:masterClrMapping/>
+  </p:clrMapOvr>
+</p:sld>
+</file>
+
+<file path=ppt/slides/slide6.xml><?xml version="1.0" encoding="utf-8"?>
+<p:sld xmlns:a="http://schemas.openxmlformats.org/drawingml/2006/main" xmlns:r="http://schemas.openxmlformats.org/officeDocument/2006/relationships" xmlns:p="http://schemas.openxmlformats.org/presentationml/2006/main">
+  <p:cSld>
+    <p:spTree>
+      <p:nvGrpSpPr>
+        <p:cNvPr id="1" name=""/>
+        <p:cNvGrpSpPr/>
+        <p:nvPr/>
+      </p:nvGrpSpPr>
+      <p:grpSpPr>
+        <a:xfrm>
+          <a:off x="0" y="0"/>
+          <a:ext cx="0" cy="0"/>
+          <a:chOff x="0" y="0"/>
+          <a:chExt cx="0" cy="0"/>
+        </a:xfrm>
+      </p:grpSpPr>
+      <p:sp>
+        <p:nvSpPr>
+          <p:cNvPr id="2" name="文本占位符 1">
+            <a:extLst>
+              <a:ext uri="{FF2B5EF4-FFF2-40B4-BE49-F238E27FC236}">
+                <a16:creationId xmlns:a16="http://schemas.microsoft.com/office/drawing/2014/main" id="{90545DC0-A30B-F3CB-F7A8-A1569CC5C8BC}"/>
+              </a:ext>
+            </a:extLst>
+          </p:cNvPr>
+          <p:cNvSpPr>
+            <a:spLocks noGrp="1"/>
+          </p:cNvSpPr>
+          <p:nvPr>
+            <p:ph type="body" idx="10"/>
+          </p:nvPr>
+        </p:nvSpPr>
+        <p:spPr>
+          <a:xfrm>
+            <a:off x="588891" y="761057"/>
+            <a:ext cx="2555903" cy="474619"/>
+          </a:xfrm>
+        </p:spPr>
+        <p:txBody>
+          <a:bodyPr>
+            <a:normAutofit lnSpcReduction="10000"/>
+          </a:bodyPr>
+          <a:lstStyle/>
+          <a:p>
+            <a:r>
+              <a:rPr lang="en-US" altLang="zh-CN" dirty="0"/>
+              <a:t>Next Week Plan</a:t>
+            </a:r>
+            <a:endParaRPr lang="zh-CN" altLang="en-US" dirty="0"/>
+          </a:p>
+        </p:txBody>
+      </p:sp>
+      <p:sp>
+        <p:nvSpPr>
+          <p:cNvPr id="3" name="灯片编号占位符 2">
+            <a:extLst>
+              <a:ext uri="{FF2B5EF4-FFF2-40B4-BE49-F238E27FC236}">
+                <a16:creationId xmlns:a16="http://schemas.microsoft.com/office/drawing/2014/main" id="{75F3750A-A7B3-5899-38CA-F339E2D00FA3}"/>
+              </a:ext>
+            </a:extLst>
+          </p:cNvPr>
+          <p:cNvSpPr>
+            <a:spLocks noGrp="1"/>
+          </p:cNvSpPr>
+          <p:nvPr>
+            <p:ph type="sldNum" sz="quarter" idx="11"/>
+          </p:nvPr>
+        </p:nvSpPr>
+        <p:spPr/>
+        <p:txBody>
+          <a:bodyPr/>
+          <a:lstStyle/>
+          <a:p>
+            <a:fld id="{506475BB-7A9F-4217-B5ED-DF9B470C378D}" type="slidenum">
+              <a:rPr lang="en-GB" smtClean="0"/>
+              <a:t>6</a:t>
+            </a:fld>
+            <a:endParaRPr lang="en-GB" dirty="0"/>
+          </a:p>
+        </p:txBody>
+      </p:sp>
+      <p:sp>
+        <p:nvSpPr>
+          <p:cNvPr id="4" name="文本占位符 1">
+            <a:extLst>
+              <a:ext uri="{FF2B5EF4-FFF2-40B4-BE49-F238E27FC236}">
+                <a16:creationId xmlns:a16="http://schemas.microsoft.com/office/drawing/2014/main" id="{E346A804-1CF4-3315-E2C8-5DB849ABD24F}"/>
+              </a:ext>
+            </a:extLst>
+          </p:cNvPr>
+          <p:cNvSpPr txBox="1">
+            <a:spLocks/>
+          </p:cNvSpPr>
+          <p:nvPr/>
+        </p:nvSpPr>
+        <p:spPr>
+          <a:xfrm>
+            <a:off x="499514" y="2791174"/>
+            <a:ext cx="7276324" cy="2193337"/>
+          </a:xfrm>
+          <a:prstGeom prst="rect">
+            <a:avLst/>
+          </a:prstGeom>
+        </p:spPr>
+        <p:txBody>
+          <a:bodyPr vert="horz" lIns="91440" tIns="45720" rIns="91440" bIns="45720" rtlCol="0">
+            <a:normAutofit/>
+          </a:bodyPr>
           <a:lstStyle>
             <a:lvl1pPr marL="0" indent="0" algn="l" defTabSz="914400" rtl="0" eaLnBrk="1" latinLnBrk="0" hangingPunct="1">
               <a:lnSpc>
@@ -6716,7 +7375,7 @@
               <a:spcBef>
                 <a:spcPts val="1000"/>
               </a:spcBef>
-              <a:buFont typeface="Arial" charset="0"/>
+              <a:buFont typeface="Arial" panose="020B0604020202020204" pitchFamily="34" charset="0"/>
               <a:buNone/>
               <a:defRPr sz="2800" kern="1200">
                 <a:solidFill>
@@ -6727,7 +7386,7 @@
                 <a:cs typeface="+mn-cs"/>
               </a:defRPr>
             </a:lvl1pPr>
-            <a:lvl2pPr marL="0" indent="0" algn="l" defTabSz="914400" rtl="0" eaLnBrk="1" latinLnBrk="0" hangingPunct="1">
+            <a:lvl2pPr marL="685800" indent="-228600" algn="l" defTabSz="914400" rtl="0" eaLnBrk="1" latinLnBrk="0" hangingPunct="1">
               <a:lnSpc>
                 <a:spcPct val="90000"/>
               </a:lnSpc>
@@ -6735,8 +7394,8 @@
                 <a:spcPts val="500"/>
               </a:spcBef>
               <a:buFont typeface="Arial" panose="020B0604020202020204" pitchFamily="34" charset="0"/>
-              <a:buNone/>
-              <a:defRPr sz="1800" kern="1200" baseline="0">
+              <a:buChar char="•"/>
+              <a:defRPr sz="2400" kern="1200">
                 <a:solidFill>
                   <a:schemeClr val="tx1"/>
                 </a:solidFill>
@@ -6873,1165 +7532,67 @@
             </a:lvl9pPr>
           </a:lstStyle>
           <a:p>
-            <a:pPr marL="457200" indent="-457200">
-              <a:buFont typeface="Arial" panose="020B0604020202020204" pitchFamily="34" charset="0"/>
-              <a:buChar char="•"/>
+            <a:pPr>
+              <a:lnSpc>
+                <a:spcPct val="110000"/>
+              </a:lnSpc>
             </a:pPr>
             <a:r>
-              <a:rPr lang="en-GB" dirty="0" smtClean="0">
-                <a:latin typeface="Arial" panose="020B0604020202020204" pitchFamily="34" charset="0"/>
-                <a:cs typeface="Arial" panose="020B0604020202020204" pitchFamily="34" charset="0"/>
-              </a:rPr>
-              <a:t>Bullets points summarising content / project point.</a:t>
-            </a:r>
-          </a:p>
-          <a:p>
-            <a:pPr marL="457200" indent="-457200">
-              <a:buFont typeface="Arial" panose="020B0604020202020204" pitchFamily="34" charset="0"/>
-              <a:buChar char="•"/>
-            </a:pPr>
-            <a:endParaRPr lang="en-GB" dirty="0">
-              <a:latin typeface="Arial" panose="020B0604020202020204" pitchFamily="34" charset="0"/>
-              <a:cs typeface="Arial" panose="020B0604020202020204" pitchFamily="34" charset="0"/>
-            </a:endParaRPr>
-          </a:p>
-          <a:p>
-            <a:pPr marL="457200" indent="-457200">
-              <a:buFont typeface="Arial" panose="020B0604020202020204" pitchFamily="34" charset="0"/>
-              <a:buChar char="•"/>
-            </a:pPr>
-            <a:r>
-              <a:rPr lang="en-GB" dirty="0" smtClean="0">
-                <a:latin typeface="Arial" panose="020B0604020202020204" pitchFamily="34" charset="0"/>
-                <a:cs typeface="Arial" panose="020B0604020202020204" pitchFamily="34" charset="0"/>
-              </a:rPr>
-              <a:t>Try not to include too many.</a:t>
-            </a:r>
-          </a:p>
-          <a:p>
-            <a:pPr marL="457200" indent="-457200">
-              <a:buFont typeface="Arial" panose="020B0604020202020204" pitchFamily="34" charset="0"/>
-              <a:buChar char="•"/>
-            </a:pPr>
-            <a:endParaRPr lang="en-GB" dirty="0">
-              <a:latin typeface="Arial" panose="020B0604020202020204" pitchFamily="34" charset="0"/>
-              <a:cs typeface="Arial" panose="020B0604020202020204" pitchFamily="34" charset="0"/>
-            </a:endParaRPr>
-          </a:p>
-          <a:p>
-            <a:pPr marL="457200" indent="-457200">
-              <a:buFont typeface="Arial" panose="020B0604020202020204" pitchFamily="34" charset="0"/>
-              <a:buChar char="•"/>
-            </a:pPr>
-            <a:r>
-              <a:rPr lang="en-GB" dirty="0" smtClean="0">
-                <a:latin typeface="Arial" panose="020B0604020202020204" pitchFamily="34" charset="0"/>
-                <a:cs typeface="Arial" panose="020B0604020202020204" pitchFamily="34" charset="0"/>
-              </a:rPr>
-              <a:t>Avoid copying text from other sources, i.e. papers, reports etc.</a:t>
-            </a:r>
-          </a:p>
-          <a:p>
-            <a:pPr marL="457200" indent="-457200">
-              <a:buFont typeface="Arial" panose="020B0604020202020204" pitchFamily="34" charset="0"/>
-              <a:buChar char="•"/>
-            </a:pPr>
-            <a:endParaRPr lang="en-GB" dirty="0">
-              <a:latin typeface="Arial" panose="020B0604020202020204" pitchFamily="34" charset="0"/>
-              <a:cs typeface="Arial" panose="020B0604020202020204" pitchFamily="34" charset="0"/>
-            </a:endParaRPr>
-          </a:p>
-          <a:p>
-            <a:pPr marL="457200" indent="-457200">
-              <a:buFont typeface="Arial" panose="020B0604020202020204" pitchFamily="34" charset="0"/>
-              <a:buChar char="•"/>
-            </a:pPr>
-            <a:r>
-              <a:rPr lang="en-GB" dirty="0" smtClean="0">
-                <a:latin typeface="Arial" panose="020B0604020202020204" pitchFamily="34" charset="0"/>
-                <a:cs typeface="Arial" panose="020B0604020202020204" pitchFamily="34" charset="0"/>
-              </a:rPr>
-              <a:t>Should be address in your presentation.</a:t>
-            </a:r>
-          </a:p>
-          <a:p>
-            <a:pPr marL="457200" indent="-457200">
-              <a:buFont typeface="Arial" panose="020B0604020202020204" pitchFamily="34" charset="0"/>
-              <a:buChar char="•"/>
-            </a:pPr>
-            <a:endParaRPr lang="en-GB" dirty="0">
-              <a:latin typeface="Arial" panose="020B0604020202020204" pitchFamily="34" charset="0"/>
-              <a:cs typeface="Arial" panose="020B0604020202020204" pitchFamily="34" charset="0"/>
-            </a:endParaRPr>
-          </a:p>
-          <a:p>
-            <a:pPr marL="457200" indent="-457200">
-              <a:buFont typeface="Arial" panose="020B0604020202020204" pitchFamily="34" charset="0"/>
-              <a:buChar char="•"/>
-            </a:pPr>
-            <a:r>
-              <a:rPr lang="en-GB" dirty="0" smtClean="0">
-                <a:latin typeface="Arial" panose="020B0604020202020204" pitchFamily="34" charset="0"/>
-                <a:cs typeface="Arial" panose="020B0604020202020204" pitchFamily="34" charset="0"/>
-              </a:rPr>
-              <a:t>Include references</a:t>
-            </a:r>
-            <a:r>
-              <a:rPr lang="en-GB" baseline="30000" dirty="0" smtClean="0">
-                <a:latin typeface="Arial" panose="020B0604020202020204" pitchFamily="34" charset="0"/>
-                <a:cs typeface="Arial" panose="020B0604020202020204" pitchFamily="34" charset="0"/>
-              </a:rPr>
-              <a:t>1</a:t>
-            </a:r>
-            <a:r>
-              <a:rPr lang="en-GB" dirty="0" smtClean="0">
-                <a:latin typeface="Arial" panose="020B0604020202020204" pitchFamily="34" charset="0"/>
-                <a:cs typeface="Arial" panose="020B0604020202020204" pitchFamily="34" charset="0"/>
-              </a:rPr>
-              <a:t> where necessary.</a:t>
-            </a:r>
-            <a:endParaRPr lang="en-GB" dirty="0">
-              <a:latin typeface="Arial" panose="020B0604020202020204" pitchFamily="34" charset="0"/>
-              <a:cs typeface="Arial" panose="020B0604020202020204" pitchFamily="34" charset="0"/>
-            </a:endParaRPr>
-          </a:p>
-          <a:p>
-            <a:pPr lvl="1"/>
-            <a:r>
-              <a:rPr lang="en-GB" altLang="en-US" sz="2800" dirty="0" smtClean="0">
-                <a:latin typeface="Arial" panose="020B0604020202020204" pitchFamily="34" charset="0"/>
-                <a:ea typeface="Arial" charset="0"/>
-                <a:cs typeface="Arial" panose="020B0604020202020204" pitchFamily="34" charset="0"/>
-              </a:rPr>
+              <a:rPr lang="en-US" altLang="zh-CN" b="1" dirty="0"/>
+              <a:t>1.</a:t>
+            </a:r>
+            <a:r>
+              <a:rPr lang="en-GB" altLang="zh-CN" b="1" dirty="0"/>
+              <a:t> Solve the problem of TCP data transmission and complete the wireless transmission of STM32</a:t>
+            </a:r>
+            <a:r>
+              <a:rPr lang="en-US" altLang="zh-CN" b="1" dirty="0"/>
               <a:t> </a:t>
             </a:r>
-            <a:endParaRPr lang="en-GB" altLang="en-US" sz="2800" dirty="0">
-              <a:latin typeface="Arial" panose="020B0604020202020204" pitchFamily="34" charset="0"/>
-              <a:ea typeface="Arial" charset="0"/>
-              <a:cs typeface="Arial" panose="020B0604020202020204" pitchFamily="34" charset="0"/>
-            </a:endParaRPr>
-          </a:p>
-          <a:p>
-            <a:pPr lvl="1"/>
-            <a:endParaRPr lang="en-GB" altLang="en-US" sz="2800" dirty="0">
-              <a:latin typeface="Arial" panose="020B0604020202020204" pitchFamily="34" charset="0"/>
-              <a:ea typeface="Arial" charset="0"/>
-              <a:cs typeface="Arial" panose="020B0604020202020204" pitchFamily="34" charset="0"/>
-            </a:endParaRPr>
-          </a:p>
-          <a:p>
-            <a:pPr lvl="1"/>
-            <a:r>
-              <a:rPr lang="en-GB" altLang="en-US" sz="2800" dirty="0">
-                <a:latin typeface="Arial" panose="020B0604020202020204" pitchFamily="34" charset="0"/>
-                <a:ea typeface="Arial" charset="0"/>
-                <a:cs typeface="Arial" panose="020B0604020202020204" pitchFamily="34" charset="0"/>
-              </a:rPr>
-              <a:t> </a:t>
-            </a:r>
-          </a:p>
-        </p:txBody>
-      </p:sp>
-      <p:sp>
-        <p:nvSpPr>
-          <p:cNvPr id="6" name="Title 1">
+            <a:endParaRPr lang="zh-CN" altLang="en-US" b="1" dirty="0"/>
+          </a:p>
+        </p:txBody>
+      </p:sp>
+      <p:pic>
+        <p:nvPicPr>
+          <p:cNvPr id="6" name="图片 5" descr="图片包含 室内, 桌子, 小, 华美&#10;&#10;描述已自动生成">
             <a:extLst>
               <a:ext uri="{FF2B5EF4-FFF2-40B4-BE49-F238E27FC236}">
-                <a16:creationId xmlns:a16="http://schemas.microsoft.com/office/drawing/2014/main" id="{C661A1C7-DC36-4544-80FA-FEB3240CF1E7}"/>
+                <a16:creationId xmlns:a16="http://schemas.microsoft.com/office/drawing/2014/main" id="{15609808-3BD6-8643-8A94-C0BB7C7AC642}"/>
               </a:ext>
             </a:extLst>
           </p:cNvPr>
-          <p:cNvSpPr>
-            <a:spLocks noGrp="1"/>
-          </p:cNvSpPr>
-          <p:nvPr>
-            <p:ph type="title"/>
-          </p:nvPr>
-        </p:nvSpPr>
+          <p:cNvPicPr>
+            <a:picLocks noChangeAspect="1"/>
+          </p:cNvPicPr>
+          <p:nvPr/>
+        </p:nvPicPr>
+        <p:blipFill>
+          <a:blip r:embed="rId2"/>
+          <a:stretch>
+            <a:fillRect/>
+          </a:stretch>
+        </p:blipFill>
         <p:spPr>
           <a:xfrm>
-            <a:off x="838200" y="260350"/>
-            <a:ext cx="10515600" cy="1325563"/>
-          </a:xfrm>
-        </p:spPr>
-        <p:txBody>
-          <a:bodyPr/>
-          <a:lstStyle/>
-          <a:p>
-            <a:r>
-              <a:rPr lang="en-GB" b="1" dirty="0" smtClean="0">
-                <a:latin typeface="Arial" panose="020B0604020202020204" pitchFamily="34" charset="0"/>
-                <a:cs typeface="Arial" panose="020B0604020202020204" pitchFamily="34" charset="0"/>
-              </a:rPr>
-              <a:t>Suitable title</a:t>
-            </a:r>
-            <a:endParaRPr lang="en-GB" b="1" dirty="0">
-              <a:latin typeface="Arial" panose="020B0604020202020204" pitchFamily="34" charset="0"/>
-              <a:cs typeface="Arial" panose="020B0604020202020204" pitchFamily="34" charset="0"/>
-            </a:endParaRPr>
-          </a:p>
-        </p:txBody>
-      </p:sp>
-      <p:sp>
-        <p:nvSpPr>
-          <p:cNvPr id="8" name="Rectangle 7"/>
-          <p:cNvSpPr/>
-          <p:nvPr/>
-        </p:nvSpPr>
-        <p:spPr>
-          <a:xfrm>
-            <a:off x="171450" y="6518254"/>
-            <a:ext cx="9607550" cy="261610"/>
+            <a:off x="7954592" y="1759896"/>
+            <a:ext cx="3075500" cy="4099064"/>
           </a:xfrm>
           <a:prstGeom prst="rect">
             <a:avLst/>
           </a:prstGeom>
         </p:spPr>
-        <p:txBody>
-          <a:bodyPr wrap="square">
-            <a:spAutoFit/>
-          </a:bodyPr>
-          <a:lstStyle/>
-          <a:p>
-            <a:r>
-              <a:rPr lang="en-GB" sz="1100" dirty="0" smtClean="0">
-                <a:latin typeface="Arial" panose="020B0604020202020204" pitchFamily="34" charset="0"/>
-                <a:cs typeface="Arial" panose="020B0604020202020204" pitchFamily="34" charset="0"/>
-              </a:rPr>
-              <a:t>[1] McLaughlan</a:t>
-            </a:r>
-            <a:r>
-              <a:rPr lang="en-GB" sz="1100" dirty="0">
-                <a:latin typeface="Arial" panose="020B0604020202020204" pitchFamily="34" charset="0"/>
-                <a:cs typeface="Arial" panose="020B0604020202020204" pitchFamily="34" charset="0"/>
-              </a:rPr>
-              <a:t>, et al</a:t>
-            </a:r>
-            <a:r>
-              <a:rPr lang="en-GB" sz="1100" dirty="0" smtClean="0">
-                <a:latin typeface="Arial" panose="020B0604020202020204" pitchFamily="34" charset="0"/>
-                <a:cs typeface="Arial" panose="020B0604020202020204" pitchFamily="34" charset="0"/>
-              </a:rPr>
-              <a:t>.</a:t>
-            </a:r>
-            <a:r>
-              <a:rPr lang="en-GB" sz="1100" b="1" dirty="0" smtClean="0">
-                <a:latin typeface="Arial" panose="020B0604020202020204" pitchFamily="34" charset="0"/>
-                <a:cs typeface="Arial" panose="020B0604020202020204" pitchFamily="34" charset="0"/>
-              </a:rPr>
-              <a:t> </a:t>
-            </a:r>
-            <a:r>
-              <a:rPr lang="en-GB" sz="1100" dirty="0" smtClean="0">
-                <a:latin typeface="Arial" panose="020B0604020202020204" pitchFamily="34" charset="0"/>
-                <a:cs typeface="Arial" panose="020B0604020202020204" pitchFamily="34" charset="0"/>
-              </a:rPr>
-              <a:t> Aim to include references on the relevant slide if showing figure, finding and data from other sources.</a:t>
-            </a:r>
-            <a:endParaRPr lang="en-GB" sz="1100" dirty="0">
-              <a:latin typeface="Arial" panose="020B0604020202020204" pitchFamily="34" charset="0"/>
-              <a:cs typeface="Arial" panose="020B0604020202020204" pitchFamily="34" charset="0"/>
-            </a:endParaRPr>
-          </a:p>
-        </p:txBody>
-      </p:sp>
+      </p:pic>
     </p:spTree>
     <p:extLst>
       <p:ext uri="{BB962C8B-B14F-4D97-AF65-F5344CB8AC3E}">
-        <p14:creationId xmlns:p14="http://schemas.microsoft.com/office/powerpoint/2010/main" val="1640556207"/>
+        <p14:creationId xmlns:p14="http://schemas.microsoft.com/office/powerpoint/2010/main" val="1165417202"/>
       </p:ext>
     </p:extLst>
   </p:cSld>
   <p:clrMapOvr>
     <a:masterClrMapping/>
   </p:clrMapOvr>
-  <p:timing>
-    <p:tnLst>
-      <p:par>
-        <p:cTn id="1" dur="indefinite" restart="never" nodeType="tmRoot"/>
-      </p:par>
-    </p:tnLst>
-  </p:timing>
-</p:sld>
-</file>
-
-<file path=ppt/slides/slide3.xml><?xml version="1.0" encoding="utf-8"?>
-<p:sld xmlns:a="http://schemas.openxmlformats.org/drawingml/2006/main" xmlns:r="http://schemas.openxmlformats.org/officeDocument/2006/relationships" xmlns:p="http://schemas.openxmlformats.org/presentationml/2006/main">
-  <p:cSld>
-    <p:spTree>
-      <p:nvGrpSpPr>
-        <p:cNvPr id="1" name=""/>
-        <p:cNvGrpSpPr/>
-        <p:nvPr/>
-      </p:nvGrpSpPr>
-      <p:grpSpPr>
-        <a:xfrm>
-          <a:off x="0" y="0"/>
-          <a:ext cx="0" cy="0"/>
-          <a:chOff x="0" y="0"/>
-          <a:chExt cx="0" cy="0"/>
-        </a:xfrm>
-      </p:grpSpPr>
-      <p:sp>
-        <p:nvSpPr>
-          <p:cNvPr id="2" name="Title 1">
-            <a:extLst>
-              <a:ext uri="{FF2B5EF4-FFF2-40B4-BE49-F238E27FC236}">
-                <a16:creationId xmlns:a16="http://schemas.microsoft.com/office/drawing/2014/main" id="{C661A1C7-DC36-4544-80FA-FEB3240CF1E7}"/>
-              </a:ext>
-            </a:extLst>
-          </p:cNvPr>
-          <p:cNvSpPr>
-            <a:spLocks noGrp="1"/>
-          </p:cNvSpPr>
-          <p:nvPr>
-            <p:ph type="title"/>
-          </p:nvPr>
-        </p:nvSpPr>
-        <p:spPr>
-          <a:xfrm>
-            <a:off x="838200" y="260350"/>
-            <a:ext cx="10515600" cy="1325563"/>
-          </a:xfrm>
-        </p:spPr>
-        <p:txBody>
-          <a:bodyPr/>
-          <a:lstStyle/>
-          <a:p>
-            <a:r>
-              <a:rPr lang="en-GB" b="1" dirty="0" smtClean="0">
-                <a:latin typeface="Arial" panose="020B0604020202020204" pitchFamily="34" charset="0"/>
-                <a:cs typeface="Arial" panose="020B0604020202020204" pitchFamily="34" charset="0"/>
-              </a:rPr>
-              <a:t>Presenting data/figures</a:t>
-            </a:r>
-            <a:endParaRPr lang="en-GB" b="1" dirty="0">
-              <a:latin typeface="Arial" panose="020B0604020202020204" pitchFamily="34" charset="0"/>
-              <a:cs typeface="Arial" panose="020B0604020202020204" pitchFamily="34" charset="0"/>
-            </a:endParaRPr>
-          </a:p>
-        </p:txBody>
-      </p:sp>
-      <p:sp>
-        <p:nvSpPr>
-          <p:cNvPr id="4" name="Slide Number Placeholder 5">
-            <a:extLst>
-              <a:ext uri="{FF2B5EF4-FFF2-40B4-BE49-F238E27FC236}">
-                <a16:creationId xmlns:a16="http://schemas.microsoft.com/office/drawing/2014/main" id="{D4CA5C3B-5C8C-FA2F-E540-0439B1DE272B}"/>
-              </a:ext>
-            </a:extLst>
-          </p:cNvPr>
-          <p:cNvSpPr>
-            <a:spLocks noGrp="1"/>
-          </p:cNvSpPr>
-          <p:nvPr>
-            <p:ph type="sldNum" sz="quarter" idx="12"/>
-          </p:nvPr>
-        </p:nvSpPr>
-        <p:spPr>
-          <a:xfrm>
-            <a:off x="11355753" y="6466497"/>
-            <a:ext cx="795214" cy="365125"/>
-          </a:xfrm>
-        </p:spPr>
-        <p:txBody>
-          <a:bodyPr/>
-          <a:lstStyle/>
-          <a:p>
-            <a:fld id="{506475BB-7A9F-4217-B5ED-DF9B470C378D}" type="slidenum">
-              <a:rPr lang="en-GB" smtClean="0"/>
-              <a:t>3</a:t>
-            </a:fld>
-            <a:endParaRPr lang="en-GB" dirty="0"/>
-          </a:p>
-        </p:txBody>
-      </p:sp>
-      <p:sp>
-        <p:nvSpPr>
-          <p:cNvPr id="5" name="Text Placeholder 1"/>
-          <p:cNvSpPr txBox="1">
-            <a:spLocks/>
-          </p:cNvSpPr>
-          <p:nvPr/>
-        </p:nvSpPr>
-        <p:spPr>
-          <a:xfrm>
-            <a:off x="447411" y="1327922"/>
-            <a:ext cx="11544564" cy="698291"/>
-          </a:xfrm>
-          <a:prstGeom prst="rect">
-            <a:avLst/>
-          </a:prstGeom>
-        </p:spPr>
-        <p:txBody>
-          <a:bodyPr/>
-          <a:lstStyle>
-            <a:lvl1pPr marL="0" indent="0" algn="l" defTabSz="914400" rtl="0" eaLnBrk="1" latinLnBrk="0" hangingPunct="1">
-              <a:lnSpc>
-                <a:spcPct val="90000"/>
-              </a:lnSpc>
-              <a:spcBef>
-                <a:spcPts val="1000"/>
-              </a:spcBef>
-              <a:buFont typeface="Arial" charset="0"/>
-              <a:buNone/>
-              <a:defRPr sz="2800" kern="1200">
-                <a:solidFill>
-                  <a:schemeClr val="tx1"/>
-                </a:solidFill>
-                <a:latin typeface="+mn-lt"/>
-                <a:ea typeface="+mn-ea"/>
-                <a:cs typeface="+mn-cs"/>
-              </a:defRPr>
-            </a:lvl1pPr>
-            <a:lvl2pPr marL="0" indent="0" algn="l" defTabSz="914400" rtl="0" eaLnBrk="1" latinLnBrk="0" hangingPunct="1">
-              <a:lnSpc>
-                <a:spcPct val="90000"/>
-              </a:lnSpc>
-              <a:spcBef>
-                <a:spcPts val="500"/>
-              </a:spcBef>
-              <a:buFont typeface="Arial" panose="020B0604020202020204" pitchFamily="34" charset="0"/>
-              <a:buNone/>
-              <a:defRPr sz="1800" kern="1200" baseline="0">
-                <a:solidFill>
-                  <a:schemeClr val="tx1"/>
-                </a:solidFill>
-                <a:latin typeface="+mn-lt"/>
-                <a:ea typeface="+mn-ea"/>
-                <a:cs typeface="+mn-cs"/>
-              </a:defRPr>
-            </a:lvl2pPr>
-            <a:lvl3pPr marL="1143000" indent="-228600" algn="l" defTabSz="914400" rtl="0" eaLnBrk="1" latinLnBrk="0" hangingPunct="1">
-              <a:lnSpc>
-                <a:spcPct val="90000"/>
-              </a:lnSpc>
-              <a:spcBef>
-                <a:spcPts val="500"/>
-              </a:spcBef>
-              <a:buFont typeface="Arial" panose="020B0604020202020204" pitchFamily="34" charset="0"/>
-              <a:buChar char="•"/>
-              <a:defRPr sz="2000" kern="1200">
-                <a:solidFill>
-                  <a:schemeClr val="tx1"/>
-                </a:solidFill>
-                <a:latin typeface="+mn-lt"/>
-                <a:ea typeface="+mn-ea"/>
-                <a:cs typeface="+mn-cs"/>
-              </a:defRPr>
-            </a:lvl3pPr>
-            <a:lvl4pPr marL="1600200" indent="-228600" algn="l" defTabSz="914400" rtl="0" eaLnBrk="1" latinLnBrk="0" hangingPunct="1">
-              <a:lnSpc>
-                <a:spcPct val="90000"/>
-              </a:lnSpc>
-              <a:spcBef>
-                <a:spcPts val="500"/>
-              </a:spcBef>
-              <a:buFont typeface="Arial" panose="020B0604020202020204" pitchFamily="34" charset="0"/>
-              <a:buChar char="•"/>
-              <a:defRPr sz="1800" kern="1200">
-                <a:solidFill>
-                  <a:schemeClr val="tx1"/>
-                </a:solidFill>
-                <a:latin typeface="+mn-lt"/>
-                <a:ea typeface="+mn-ea"/>
-                <a:cs typeface="+mn-cs"/>
-              </a:defRPr>
-            </a:lvl4pPr>
-            <a:lvl5pPr marL="2057400" indent="-228600" algn="l" defTabSz="914400" rtl="0" eaLnBrk="1" latinLnBrk="0" hangingPunct="1">
-              <a:lnSpc>
-                <a:spcPct val="90000"/>
-              </a:lnSpc>
-              <a:spcBef>
-                <a:spcPts val="500"/>
-              </a:spcBef>
-              <a:buFont typeface="Arial" panose="020B0604020202020204" pitchFamily="34" charset="0"/>
-              <a:buChar char="•"/>
-              <a:defRPr sz="1800" kern="1200">
-                <a:solidFill>
-                  <a:schemeClr val="tx1"/>
-                </a:solidFill>
-                <a:latin typeface="+mn-lt"/>
-                <a:ea typeface="+mn-ea"/>
-                <a:cs typeface="+mn-cs"/>
-              </a:defRPr>
-            </a:lvl5pPr>
-            <a:lvl6pPr marL="2514600" indent="-228600" algn="l" defTabSz="914400" rtl="0" eaLnBrk="1" latinLnBrk="0" hangingPunct="1">
-              <a:lnSpc>
-                <a:spcPct val="90000"/>
-              </a:lnSpc>
-              <a:spcBef>
-                <a:spcPts val="500"/>
-              </a:spcBef>
-              <a:buFont typeface="Arial" panose="020B0604020202020204" pitchFamily="34" charset="0"/>
-              <a:buChar char="•"/>
-              <a:defRPr sz="1800" kern="1200">
-                <a:solidFill>
-                  <a:schemeClr val="tx1"/>
-                </a:solidFill>
-                <a:latin typeface="+mn-lt"/>
-                <a:ea typeface="+mn-ea"/>
-                <a:cs typeface="+mn-cs"/>
-              </a:defRPr>
-            </a:lvl6pPr>
-            <a:lvl7pPr marL="2971800" indent="-228600" algn="l" defTabSz="914400" rtl="0" eaLnBrk="1" latinLnBrk="0" hangingPunct="1">
-              <a:lnSpc>
-                <a:spcPct val="90000"/>
-              </a:lnSpc>
-              <a:spcBef>
-                <a:spcPts val="500"/>
-              </a:spcBef>
-              <a:buFont typeface="Arial" panose="020B0604020202020204" pitchFamily="34" charset="0"/>
-              <a:buChar char="•"/>
-              <a:defRPr sz="1800" kern="1200">
-                <a:solidFill>
-                  <a:schemeClr val="tx1"/>
-                </a:solidFill>
-                <a:latin typeface="+mn-lt"/>
-                <a:ea typeface="+mn-ea"/>
-                <a:cs typeface="+mn-cs"/>
-              </a:defRPr>
-            </a:lvl7pPr>
-            <a:lvl8pPr marL="3429000" indent="-228600" algn="l" defTabSz="914400" rtl="0" eaLnBrk="1" latinLnBrk="0" hangingPunct="1">
-              <a:lnSpc>
-                <a:spcPct val="90000"/>
-              </a:lnSpc>
-              <a:spcBef>
-                <a:spcPts val="500"/>
-              </a:spcBef>
-              <a:buFont typeface="Arial" panose="020B0604020202020204" pitchFamily="34" charset="0"/>
-              <a:buChar char="•"/>
-              <a:defRPr sz="1800" kern="1200">
-                <a:solidFill>
-                  <a:schemeClr val="tx1"/>
-                </a:solidFill>
-                <a:latin typeface="+mn-lt"/>
-                <a:ea typeface="+mn-ea"/>
-                <a:cs typeface="+mn-cs"/>
-              </a:defRPr>
-            </a:lvl8pPr>
-            <a:lvl9pPr marL="3886200" indent="-228600" algn="l" defTabSz="914400" rtl="0" eaLnBrk="1" latinLnBrk="0" hangingPunct="1">
-              <a:lnSpc>
-                <a:spcPct val="90000"/>
-              </a:lnSpc>
-              <a:spcBef>
-                <a:spcPts val="500"/>
-              </a:spcBef>
-              <a:buFont typeface="Arial" panose="020B0604020202020204" pitchFamily="34" charset="0"/>
-              <a:buChar char="•"/>
-              <a:defRPr sz="1800" kern="1200">
-                <a:solidFill>
-                  <a:schemeClr val="tx1"/>
-                </a:solidFill>
-                <a:latin typeface="+mn-lt"/>
-                <a:ea typeface="+mn-ea"/>
-                <a:cs typeface="+mn-cs"/>
-              </a:defRPr>
-            </a:lvl9pPr>
-          </a:lstStyle>
-          <a:p>
-            <a:r>
-              <a:rPr lang="en-GB" dirty="0" smtClean="0">
-                <a:latin typeface="Arial" panose="020B0604020202020204" pitchFamily="34" charset="0"/>
-                <a:cs typeface="Arial" panose="020B0604020202020204" pitchFamily="34" charset="0"/>
-              </a:rPr>
-              <a:t>Ensure that figures are readable and meaningful, if their generated </a:t>
-            </a:r>
-            <a:r>
-              <a:rPr lang="en-GB" dirty="0" smtClean="0">
-                <a:latin typeface="Arial" panose="020B0604020202020204" pitchFamily="34" charset="0"/>
-                <a:cs typeface="Arial" panose="020B0604020202020204" pitchFamily="34" charset="0"/>
-              </a:rPr>
-              <a:t>you, or from papers</a:t>
-            </a:r>
-            <a:r>
-              <a:rPr lang="en-GB" dirty="0" smtClean="0">
-                <a:latin typeface="Arial" panose="020B0604020202020204" pitchFamily="34" charset="0"/>
-                <a:cs typeface="Arial" panose="020B0604020202020204" pitchFamily="34" charset="0"/>
-              </a:rPr>
-              <a:t>.</a:t>
-            </a:r>
-          </a:p>
-          <a:p>
-            <a:pPr lvl="1"/>
-            <a:r>
-              <a:rPr lang="en-GB" altLang="en-US" sz="2800" dirty="0" smtClean="0">
-                <a:latin typeface="Arial" panose="020B0604020202020204" pitchFamily="34" charset="0"/>
-                <a:ea typeface="Arial" charset="0"/>
-                <a:cs typeface="Arial" panose="020B0604020202020204" pitchFamily="34" charset="0"/>
-              </a:rPr>
-              <a:t> </a:t>
-            </a:r>
-            <a:endParaRPr lang="en-GB" altLang="en-US" sz="2800" dirty="0">
-              <a:latin typeface="Arial" panose="020B0604020202020204" pitchFamily="34" charset="0"/>
-              <a:ea typeface="Arial" charset="0"/>
-              <a:cs typeface="Arial" panose="020B0604020202020204" pitchFamily="34" charset="0"/>
-            </a:endParaRPr>
-          </a:p>
-          <a:p>
-            <a:pPr lvl="1"/>
-            <a:endParaRPr lang="en-GB" altLang="en-US" sz="2800" dirty="0">
-              <a:latin typeface="Arial" panose="020B0604020202020204" pitchFamily="34" charset="0"/>
-              <a:ea typeface="Arial" charset="0"/>
-              <a:cs typeface="Arial" panose="020B0604020202020204" pitchFamily="34" charset="0"/>
-            </a:endParaRPr>
-          </a:p>
-          <a:p>
-            <a:pPr lvl="1"/>
-            <a:r>
-              <a:rPr lang="en-GB" altLang="en-US" sz="2800" dirty="0">
-                <a:latin typeface="Arial" panose="020B0604020202020204" pitchFamily="34" charset="0"/>
-                <a:ea typeface="Arial" charset="0"/>
-                <a:cs typeface="Arial" panose="020B0604020202020204" pitchFamily="34" charset="0"/>
-              </a:rPr>
-              <a:t> </a:t>
-            </a:r>
-          </a:p>
-        </p:txBody>
-      </p:sp>
-      <p:pic>
-        <p:nvPicPr>
-          <p:cNvPr id="6" name="Picture 5"/>
-          <p:cNvPicPr>
-            <a:picLocks noChangeAspect="1"/>
-          </p:cNvPicPr>
-          <p:nvPr/>
-        </p:nvPicPr>
-        <p:blipFill>
-          <a:blip r:embed="rId2">
-            <a:extLst>
-              <a:ext uri="{28A0092B-C50C-407E-A947-70E740481C1C}">
-                <a14:useLocalDpi xmlns:a14="http://schemas.microsoft.com/office/drawing/2010/main" val="0"/>
-              </a:ext>
-            </a:extLst>
-          </a:blip>
-          <a:stretch>
-            <a:fillRect/>
-          </a:stretch>
-        </p:blipFill>
-        <p:spPr>
-          <a:xfrm>
-            <a:off x="722085" y="2259085"/>
-            <a:ext cx="5780298" cy="4497567"/>
-          </a:xfrm>
-          <a:prstGeom prst="rect">
-            <a:avLst/>
-          </a:prstGeom>
-        </p:spPr>
-      </p:pic>
-      <p:grpSp>
-        <p:nvGrpSpPr>
-          <p:cNvPr id="7" name="Group 6"/>
-          <p:cNvGrpSpPr/>
-          <p:nvPr/>
-        </p:nvGrpSpPr>
-        <p:grpSpPr>
-          <a:xfrm>
-            <a:off x="7171312" y="2437711"/>
-            <a:ext cx="3812025" cy="3838974"/>
-            <a:chOff x="5180587" y="2672316"/>
-            <a:chExt cx="3812025" cy="3838974"/>
-          </a:xfrm>
-        </p:grpSpPr>
-        <p:pic>
-          <p:nvPicPr>
-            <p:cNvPr id="8" name="Picture 7"/>
-            <p:cNvPicPr>
-              <a:picLocks noChangeAspect="1"/>
-            </p:cNvPicPr>
-            <p:nvPr/>
-          </p:nvPicPr>
-          <p:blipFill>
-            <a:blip r:embed="rId3">
-              <a:extLst>
-                <a:ext uri="{28A0092B-C50C-407E-A947-70E740481C1C}">
-                  <a14:useLocalDpi xmlns:a14="http://schemas.microsoft.com/office/drawing/2010/main" val="0"/>
-                </a:ext>
-              </a:extLst>
-            </a:blip>
-            <a:stretch>
-              <a:fillRect/>
-            </a:stretch>
-          </p:blipFill>
-          <p:spPr>
-            <a:xfrm rot="2437545">
-              <a:off x="5536998" y="3686643"/>
-              <a:ext cx="2695916" cy="1476004"/>
-            </a:xfrm>
-            <a:prstGeom prst="rect">
-              <a:avLst/>
-            </a:prstGeom>
-          </p:spPr>
-        </p:pic>
-        <p:grpSp>
-          <p:nvGrpSpPr>
-            <p:cNvPr id="9" name="Group 8"/>
-            <p:cNvGrpSpPr/>
-            <p:nvPr/>
-          </p:nvGrpSpPr>
-          <p:grpSpPr>
-            <a:xfrm>
-              <a:off x="5180587" y="2672316"/>
-              <a:ext cx="3812025" cy="3838974"/>
-              <a:chOff x="5476602" y="2508407"/>
-              <a:chExt cx="3812025" cy="3838974"/>
-            </a:xfrm>
-          </p:grpSpPr>
-          <p:sp>
-            <p:nvSpPr>
-              <p:cNvPr id="10" name="Rectangle 9"/>
-              <p:cNvSpPr/>
-              <p:nvPr/>
-            </p:nvSpPr>
-            <p:spPr>
-              <a:xfrm>
-                <a:off x="5476602" y="5762606"/>
-                <a:ext cx="1731351" cy="584775"/>
-              </a:xfrm>
-              <a:prstGeom prst="rect">
-                <a:avLst/>
-              </a:prstGeom>
-            </p:spPr>
-            <p:txBody>
-              <a:bodyPr wrap="square">
-                <a:spAutoFit/>
-              </a:bodyPr>
-              <a:lstStyle/>
-              <a:p>
-                <a:pPr algn="ctr"/>
-                <a:r>
-                  <a:rPr lang="en-GB" sz="1600" dirty="0">
-                    <a:solidFill>
-                      <a:srgbClr val="0070C0"/>
-                    </a:solidFill>
-                    <a:latin typeface="Calibri" panose="020F0502020204030204" pitchFamily="34" charset="0"/>
-                    <a:ea typeface="Times New Roman" panose="02020603050405020304" pitchFamily="18" charset="0"/>
-                    <a:cs typeface="Times New Roman" panose="02020603050405020304" pitchFamily="18" charset="0"/>
-                  </a:rPr>
-                  <a:t>monoclonal anti-human EGFR IgG1</a:t>
-                </a:r>
-                <a:endParaRPr lang="en-GB" sz="1600" dirty="0">
-                  <a:solidFill>
-                    <a:srgbClr val="0070C0"/>
-                  </a:solidFill>
-                </a:endParaRPr>
-              </a:p>
-            </p:txBody>
-          </p:sp>
-          <p:cxnSp>
-            <p:nvCxnSpPr>
-              <p:cNvPr id="11" name="Straight Arrow Connector 10"/>
-              <p:cNvCxnSpPr/>
-              <p:nvPr/>
-            </p:nvCxnSpPr>
-            <p:spPr>
-              <a:xfrm flipV="1">
-                <a:off x="6342278" y="5164531"/>
-                <a:ext cx="711905" cy="534010"/>
-              </a:xfrm>
-              <a:prstGeom prst="straightConnector1">
-                <a:avLst/>
-              </a:prstGeom>
-              <a:ln w="28575">
-                <a:solidFill>
-                  <a:srgbClr val="0070C0"/>
-                </a:solidFill>
-                <a:tailEnd type="triangle"/>
-              </a:ln>
-            </p:spPr>
-            <p:style>
-              <a:lnRef idx="1">
-                <a:schemeClr val="accent1"/>
-              </a:lnRef>
-              <a:fillRef idx="0">
-                <a:schemeClr val="accent1"/>
-              </a:fillRef>
-              <a:effectRef idx="0">
-                <a:schemeClr val="accent1"/>
-              </a:effectRef>
-              <a:fontRef idx="minor">
-                <a:schemeClr val="tx1"/>
-              </a:fontRef>
-            </p:style>
-          </p:cxnSp>
-          <p:sp>
-            <p:nvSpPr>
-              <p:cNvPr id="12" name="Rectangle 11"/>
-              <p:cNvSpPr/>
-              <p:nvPr/>
-            </p:nvSpPr>
-            <p:spPr>
-              <a:xfrm>
-                <a:off x="7954906" y="3317513"/>
-                <a:ext cx="1333721" cy="584775"/>
-              </a:xfrm>
-              <a:prstGeom prst="rect">
-                <a:avLst/>
-              </a:prstGeom>
-            </p:spPr>
-            <p:txBody>
-              <a:bodyPr wrap="square">
-                <a:spAutoFit/>
-              </a:bodyPr>
-              <a:lstStyle/>
-              <a:p>
-                <a:pPr algn="ctr"/>
-                <a:r>
-                  <a:rPr lang="en-GB" sz="1600" dirty="0">
-                    <a:solidFill>
-                      <a:srgbClr val="0070C0"/>
-                    </a:solidFill>
-                    <a:latin typeface="Calibri" panose="020F0502020204030204" pitchFamily="34" charset="0"/>
-                    <a:ea typeface="Times New Roman" panose="02020603050405020304" pitchFamily="18" charset="0"/>
-                    <a:cs typeface="Times New Roman" panose="02020603050405020304" pitchFamily="18" charset="0"/>
-                  </a:rPr>
-                  <a:t>p</a:t>
-                </a:r>
-                <a:r>
-                  <a:rPr lang="en-GB" sz="1600" dirty="0" smtClean="0">
-                    <a:solidFill>
-                      <a:srgbClr val="0070C0"/>
-                    </a:solidFill>
-                    <a:latin typeface="Calibri" panose="020F0502020204030204" pitchFamily="34" charset="0"/>
-                    <a:ea typeface="Times New Roman" panose="02020603050405020304" pitchFamily="18" charset="0"/>
-                    <a:cs typeface="Times New Roman" panose="02020603050405020304" pitchFamily="18" charset="0"/>
-                  </a:rPr>
-                  <a:t>olymer coating</a:t>
-                </a:r>
-                <a:endParaRPr lang="en-GB" sz="1600" dirty="0">
-                  <a:solidFill>
-                    <a:srgbClr val="0070C0"/>
-                  </a:solidFill>
-                </a:endParaRPr>
-              </a:p>
-            </p:txBody>
-          </p:sp>
-          <p:cxnSp>
-            <p:nvCxnSpPr>
-              <p:cNvPr id="13" name="Straight Arrow Connector 12"/>
-              <p:cNvCxnSpPr/>
-              <p:nvPr/>
-            </p:nvCxnSpPr>
-            <p:spPr>
-              <a:xfrm flipH="1">
-                <a:off x="7029908" y="3050698"/>
-                <a:ext cx="48550" cy="445705"/>
-              </a:xfrm>
-              <a:prstGeom prst="straightConnector1">
-                <a:avLst/>
-              </a:prstGeom>
-              <a:ln w="28575">
-                <a:solidFill>
-                  <a:srgbClr val="0070C0"/>
-                </a:solidFill>
-                <a:tailEnd type="triangle"/>
-              </a:ln>
-            </p:spPr>
-            <p:style>
-              <a:lnRef idx="1">
-                <a:schemeClr val="accent1"/>
-              </a:lnRef>
-              <a:fillRef idx="0">
-                <a:schemeClr val="accent1"/>
-              </a:fillRef>
-              <a:effectRef idx="0">
-                <a:schemeClr val="accent1"/>
-              </a:effectRef>
-              <a:fontRef idx="minor">
-                <a:schemeClr val="tx1"/>
-              </a:fontRef>
-            </p:style>
-          </p:cxnSp>
-          <p:sp>
-            <p:nvSpPr>
-              <p:cNvPr id="14" name="Rectangle 13"/>
-              <p:cNvSpPr/>
-              <p:nvPr/>
-            </p:nvSpPr>
-            <p:spPr>
-              <a:xfrm>
-                <a:off x="7373073" y="5709644"/>
-                <a:ext cx="1592557" cy="584775"/>
-              </a:xfrm>
-              <a:prstGeom prst="rect">
-                <a:avLst/>
-              </a:prstGeom>
-            </p:spPr>
-            <p:txBody>
-              <a:bodyPr wrap="square">
-                <a:spAutoFit/>
-              </a:bodyPr>
-              <a:lstStyle/>
-              <a:p>
-                <a:pPr algn="ctr"/>
-                <a:r>
-                  <a:rPr lang="en-GB" sz="1600" dirty="0" smtClean="0">
-                    <a:solidFill>
-                      <a:srgbClr val="0070C0"/>
-                    </a:solidFill>
-                    <a:latin typeface="Calibri" panose="020F0502020204030204" pitchFamily="34" charset="0"/>
-                    <a:ea typeface="Times New Roman" panose="02020603050405020304" pitchFamily="18" charset="0"/>
-                    <a:cs typeface="Times New Roman" panose="02020603050405020304" pitchFamily="18" charset="0"/>
-                  </a:rPr>
-                  <a:t>10x67 </a:t>
-                </a:r>
-                <a:r>
-                  <a:rPr lang="en-GB" sz="1600" dirty="0">
-                    <a:solidFill>
-                      <a:srgbClr val="0070C0"/>
-                    </a:solidFill>
-                    <a:latin typeface="Calibri" panose="020F0502020204030204" pitchFamily="34" charset="0"/>
-                    <a:ea typeface="Times New Roman" panose="02020603050405020304" pitchFamily="18" charset="0"/>
-                    <a:cs typeface="Times New Roman" panose="02020603050405020304" pitchFamily="18" charset="0"/>
-                  </a:rPr>
-                  <a:t>nm </a:t>
-                </a:r>
-                <a:r>
-                  <a:rPr lang="en-GB" sz="1600" dirty="0" smtClean="0">
-                    <a:solidFill>
-                      <a:srgbClr val="0070C0"/>
-                    </a:solidFill>
-                    <a:latin typeface="Calibri" panose="020F0502020204030204" pitchFamily="34" charset="0"/>
-                    <a:ea typeface="Times New Roman" panose="02020603050405020304" pitchFamily="18" charset="0"/>
-                    <a:cs typeface="Times New Roman" panose="02020603050405020304" pitchFamily="18" charset="0"/>
-                  </a:rPr>
-                  <a:t>gold nanorod (</a:t>
-                </a:r>
-                <a:r>
-                  <a:rPr lang="en-GB" sz="1600" dirty="0">
-                    <a:solidFill>
-                      <a:srgbClr val="0070C0"/>
-                    </a:solidFill>
-                    <a:latin typeface="Calibri" panose="020F0502020204030204" pitchFamily="34" charset="0"/>
-                    <a:ea typeface="Times New Roman" panose="02020603050405020304" pitchFamily="18" charset="0"/>
-                    <a:cs typeface="Times New Roman" panose="02020603050405020304" pitchFamily="18" charset="0"/>
-                  </a:rPr>
-                  <a:t>A</a:t>
-                </a:r>
-                <a:r>
-                  <a:rPr lang="en-GB" sz="1600" dirty="0" smtClean="0">
-                    <a:solidFill>
-                      <a:srgbClr val="0070C0"/>
-                    </a:solidFill>
-                    <a:latin typeface="Calibri" panose="020F0502020204030204" pitchFamily="34" charset="0"/>
-                    <a:ea typeface="Times New Roman" panose="02020603050405020304" pitchFamily="18" charset="0"/>
-                    <a:cs typeface="Times New Roman" panose="02020603050405020304" pitchFamily="18" charset="0"/>
-                  </a:rPr>
-                  <a:t>uNR)</a:t>
-                </a:r>
-                <a:endParaRPr lang="en-GB" sz="1600" dirty="0">
-                  <a:solidFill>
-                    <a:srgbClr val="0070C0"/>
-                  </a:solidFill>
-                </a:endParaRPr>
-              </a:p>
-            </p:txBody>
-          </p:sp>
-          <p:sp>
-            <p:nvSpPr>
-              <p:cNvPr id="15" name="Rectangle 14"/>
-              <p:cNvSpPr/>
-              <p:nvPr/>
-            </p:nvSpPr>
-            <p:spPr>
-              <a:xfrm>
-                <a:off x="6367886" y="2508407"/>
-                <a:ext cx="1724489" cy="584775"/>
-              </a:xfrm>
-              <a:prstGeom prst="rect">
-                <a:avLst/>
-              </a:prstGeom>
-            </p:spPr>
-            <p:txBody>
-              <a:bodyPr wrap="square">
-                <a:spAutoFit/>
-              </a:bodyPr>
-              <a:lstStyle/>
-              <a:p>
-                <a:pPr algn="ctr"/>
-                <a:r>
-                  <a:rPr lang="en-GB" sz="1600" dirty="0" smtClean="0">
-                    <a:solidFill>
-                      <a:srgbClr val="0070C0"/>
-                    </a:solidFill>
-                    <a:latin typeface="Calibri" panose="020F0502020204030204" pitchFamily="34" charset="0"/>
-                    <a:ea typeface="Times New Roman" panose="02020603050405020304" pitchFamily="18" charset="0"/>
-                    <a:cs typeface="Times New Roman" panose="02020603050405020304" pitchFamily="18" charset="0"/>
-                  </a:rPr>
-                  <a:t>Neutravidin-Boitin linkage</a:t>
-                </a:r>
-                <a:endParaRPr lang="en-GB" sz="1600" dirty="0">
-                  <a:solidFill>
-                    <a:srgbClr val="0070C0"/>
-                  </a:solidFill>
-                </a:endParaRPr>
-              </a:p>
-            </p:txBody>
-          </p:sp>
-          <p:cxnSp>
-            <p:nvCxnSpPr>
-              <p:cNvPr id="16" name="Straight Arrow Connector 15"/>
-              <p:cNvCxnSpPr>
-                <a:stCxn id="12" idx="2"/>
-              </p:cNvCxnSpPr>
-              <p:nvPr/>
-            </p:nvCxnSpPr>
-            <p:spPr>
-              <a:xfrm flipH="1">
-                <a:off x="8092375" y="3902288"/>
-                <a:ext cx="529392" cy="587518"/>
-              </a:xfrm>
-              <a:prstGeom prst="straightConnector1">
-                <a:avLst/>
-              </a:prstGeom>
-              <a:ln w="28575">
-                <a:solidFill>
-                  <a:srgbClr val="0070C0"/>
-                </a:solidFill>
-                <a:tailEnd type="triangle"/>
-              </a:ln>
-            </p:spPr>
-            <p:style>
-              <a:lnRef idx="1">
-                <a:schemeClr val="accent1"/>
-              </a:lnRef>
-              <a:fillRef idx="0">
-                <a:schemeClr val="accent1"/>
-              </a:fillRef>
-              <a:effectRef idx="0">
-                <a:schemeClr val="accent1"/>
-              </a:effectRef>
-              <a:fontRef idx="minor">
-                <a:schemeClr val="tx1"/>
-              </a:fontRef>
-            </p:style>
-          </p:cxnSp>
-          <p:cxnSp>
-            <p:nvCxnSpPr>
-              <p:cNvPr id="17" name="Straight Arrow Connector 16"/>
-              <p:cNvCxnSpPr/>
-              <p:nvPr/>
-            </p:nvCxnSpPr>
-            <p:spPr>
-              <a:xfrm flipH="1" flipV="1">
-                <a:off x="7766556" y="4825331"/>
-                <a:ext cx="325819" cy="830812"/>
-              </a:xfrm>
-              <a:prstGeom prst="straightConnector1">
-                <a:avLst/>
-              </a:prstGeom>
-              <a:ln w="28575">
-                <a:solidFill>
-                  <a:srgbClr val="0070C0"/>
-                </a:solidFill>
-                <a:tailEnd type="triangle"/>
-              </a:ln>
-            </p:spPr>
-            <p:style>
-              <a:lnRef idx="1">
-                <a:schemeClr val="accent1"/>
-              </a:lnRef>
-              <a:fillRef idx="0">
-                <a:schemeClr val="accent1"/>
-              </a:fillRef>
-              <a:effectRef idx="0">
-                <a:schemeClr val="accent1"/>
-              </a:effectRef>
-              <a:fontRef idx="minor">
-                <a:schemeClr val="tx1"/>
-              </a:fontRef>
-            </p:style>
-          </p:cxnSp>
-        </p:grpSp>
-      </p:grpSp>
-    </p:spTree>
-    <p:extLst>
-      <p:ext uri="{BB962C8B-B14F-4D97-AF65-F5344CB8AC3E}">
-        <p14:creationId xmlns:p14="http://schemas.microsoft.com/office/powerpoint/2010/main" val="565799236"/>
-      </p:ext>
-    </p:extLst>
-  </p:cSld>
-  <p:clrMapOvr>
-    <a:masterClrMapping/>
-  </p:clrMapOvr>
-  <p:timing>
-    <p:tnLst>
-      <p:par>
-        <p:cTn id="1" dur="indefinite" restart="never" nodeType="tmRoot">
-          <p:childTnLst>
-            <p:seq concurrent="1" nextAc="seek">
-              <p:cTn id="2" dur="indefinite" nodeType="mainSeq">
-                <p:childTnLst>
-                  <p:par>
-                    <p:cTn id="3" fill="hold">
-                      <p:stCondLst>
-                        <p:cond delay="indefinite"/>
-                        <p:cond evt="onBegin" delay="0">
-                          <p:tn val="2"/>
-                        </p:cond>
-                      </p:stCondLst>
-                      <p:childTnLst>
-                        <p:par>
-                          <p:cTn id="4" fill="hold">
-                            <p:stCondLst>
-                              <p:cond delay="0"/>
-                            </p:stCondLst>
-                            <p:childTnLst>
-                              <p:par>
-                                <p:cTn id="5" presetID="1" presetClass="entr" presetSubtype="0" fill="hold" nodeType="withEffect">
-                                  <p:stCondLst>
-                                    <p:cond delay="0"/>
-                                  </p:stCondLst>
-                                  <p:childTnLst>
-                                    <p:set>
-                                      <p:cBhvr>
-                                        <p:cTn id="6" dur="1" fill="hold">
-                                          <p:stCondLst>
-                                            <p:cond delay="0"/>
-                                          </p:stCondLst>
-                                        </p:cTn>
-                                        <p:tgtEl>
-                                          <p:spTgt spid="7"/>
-                                        </p:tgtEl>
-                                        <p:attrNameLst>
-                                          <p:attrName>style.visibility</p:attrName>
-                                        </p:attrNameLst>
-                                      </p:cBhvr>
-                                      <p:to>
-                                        <p:strVal val="visible"/>
-                                      </p:to>
-                                    </p:set>
-                                  </p:childTnLst>
-                                </p:cTn>
-                              </p:par>
-                            </p:childTnLst>
-                          </p:cTn>
-                        </p:par>
-                      </p:childTnLst>
-                    </p:cTn>
-                  </p:par>
-                </p:childTnLst>
-              </p:cTn>
-              <p:prevCondLst>
-                <p:cond evt="onPrev" delay="0">
-                  <p:tgtEl>
-                    <p:sldTgt/>
-                  </p:tgtEl>
-                </p:cond>
-              </p:prevCondLst>
-              <p:nextCondLst>
-                <p:cond evt="onNext" delay="0">
-                  <p:tgtEl>
-                    <p:sldTgt/>
-                  </p:tgtEl>
-                </p:cond>
-              </p:nextCondLst>
-            </p:seq>
-          </p:childTnLst>
-        </p:cTn>
-      </p:par>
-    </p:tnLst>
-  </p:timing>
 </p:sld>
 </file>
 
@@ -8558,89 +8119,6 @@
 </file>
 
 <file path=customXml/item1.xml><?xml version="1.0" encoding="utf-8"?>
-<?mso-contentType ?>
-<FormTemplates xmlns="http://schemas.microsoft.com/sharepoint/v3/contenttype/forms">
-  <Display>DocumentLibraryForm</Display>
-  <Edit>DocumentLibraryForm</Edit>
-  <New>DocumentLibraryForm</New>
-</FormTemplates>
-</file>
-
-<file path=customXml/item2.xml><?xml version="1.0" encoding="utf-8"?>
-<p:properties xmlns:p="http://schemas.microsoft.com/office/2006/metadata/properties" xmlns:xsi="http://www.w3.org/2001/XMLSchema-instance" xmlns:pc="http://schemas.microsoft.com/office/infopath/2007/PartnerControls">
-  <documentManagement>
-    <AppVersion xmlns="2f33a29e-ff14-468c-8e33-3ed4c96b6fdb" xsi:nil="true"/>
-    <Owner xmlns="2f33a29e-ff14-468c-8e33-3ed4c96b6fdb">
-      <UserInfo>
-        <DisplayName/>
-        <AccountId xsi:nil="true"/>
-        <AccountType/>
-      </UserInfo>
-    </Owner>
-    <Math_Settings xmlns="2f33a29e-ff14-468c-8e33-3ed4c96b6fdb" xsi:nil="true"/>
-    <DefaultSectionNames xmlns="2f33a29e-ff14-468c-8e33-3ed4c96b6fdb" xsi:nil="true"/>
-    <Invited_Students xmlns="2f33a29e-ff14-468c-8e33-3ed4c96b6fdb" xsi:nil="true"/>
-    <Student_Groups xmlns="2f33a29e-ff14-468c-8e33-3ed4c96b6fdb">
-      <UserInfo>
-        <DisplayName/>
-        <AccountId xsi:nil="true"/>
-        <AccountType/>
-      </UserInfo>
-    </Student_Groups>
-    <Invited_Members xmlns="2f33a29e-ff14-468c-8e33-3ed4c96b6fdb" xsi:nil="true"/>
-    <TeamsChannelId xmlns="2f33a29e-ff14-468c-8e33-3ed4c96b6fdb" xsi:nil="true"/>
-    <Invited_Leaders xmlns="2f33a29e-ff14-468c-8e33-3ed4c96b6fdb" xsi:nil="true"/>
-    <Teachers xmlns="2f33a29e-ff14-468c-8e33-3ed4c96b6fdb">
-      <UserInfo>
-        <DisplayName/>
-        <AccountId xsi:nil="true"/>
-        <AccountType/>
-      </UserInfo>
-    </Teachers>
-    <Is_Collaboration_Space_Locked xmlns="2f33a29e-ff14-468c-8e33-3ed4c96b6fdb" xsi:nil="true"/>
-    <FolderType xmlns="2f33a29e-ff14-468c-8e33-3ed4c96b6fdb" xsi:nil="true"/>
-    <CultureName xmlns="2f33a29e-ff14-468c-8e33-3ed4c96b6fdb" xsi:nil="true"/>
-    <Students xmlns="2f33a29e-ff14-468c-8e33-3ed4c96b6fdb">
-      <UserInfo>
-        <DisplayName/>
-        <AccountId xsi:nil="true"/>
-        <AccountType/>
-      </UserInfo>
-    </Students>
-    <Leaders xmlns="2f33a29e-ff14-468c-8e33-3ed4c96b6fdb">
-      <UserInfo>
-        <DisplayName/>
-        <AccountId xsi:nil="true"/>
-        <AccountType/>
-      </UserInfo>
-    </Leaders>
-    <Self_Registration_Enabled xmlns="2f33a29e-ff14-468c-8e33-3ed4c96b6fdb" xsi:nil="true"/>
-    <Has_Teacher_Only_SectionGroup xmlns="2f33a29e-ff14-468c-8e33-3ed4c96b6fdb" xsi:nil="true"/>
-    <Invited_Teachers xmlns="2f33a29e-ff14-468c-8e33-3ed4c96b6fdb" xsi:nil="true"/>
-    <IsNotebookLocked xmlns="2f33a29e-ff14-468c-8e33-3ed4c96b6fdb" xsi:nil="true"/>
-    <NotebookType xmlns="2f33a29e-ff14-468c-8e33-3ed4c96b6fdb" xsi:nil="true"/>
-    <Templates xmlns="2f33a29e-ff14-468c-8e33-3ed4c96b6fdb" xsi:nil="true"/>
-    <Members xmlns="2f33a29e-ff14-468c-8e33-3ed4c96b6fdb">
-      <UserInfo>
-        <DisplayName/>
-        <AccountId xsi:nil="true"/>
-        <AccountType/>
-      </UserInfo>
-    </Members>
-    <Member_Groups xmlns="2f33a29e-ff14-468c-8e33-3ed4c96b6fdb">
-      <UserInfo>
-        <DisplayName/>
-        <AccountId xsi:nil="true"/>
-        <AccountType/>
-      </UserInfo>
-    </Member_Groups>
-    <Has_Leaders_Only_SectionGroup xmlns="2f33a29e-ff14-468c-8e33-3ed4c96b6fdb" xsi:nil="true"/>
-    <_activity xmlns="2f33a29e-ff14-468c-8e33-3ed4c96b6fdb" xsi:nil="true"/>
-  </documentManagement>
-</p:properties>
-</file>
-
-<file path=customXml/item3.xml><?xml version="1.0" encoding="utf-8"?>
 <ct:contentTypeSchema xmlns:ct="http://schemas.microsoft.com/office/2006/metadata/contentType" xmlns:ma="http://schemas.microsoft.com/office/2006/metadata/properties/metaAttributes" ct:_="" ma:_="" ma:contentTypeName="Document" ma:contentTypeID="0x01010028123ADDF803D542BC6A253941D299DA" ma:contentTypeVersion="41" ma:contentTypeDescription="Create a new document." ma:contentTypeScope="" ma:versionID="6de6174498ed2e9f02b63d5d71a628e4">
   <xsd:schema xmlns:xsd="http://www.w3.org/2001/XMLSchema" xmlns:xs="http://www.w3.org/2001/XMLSchema" xmlns:p="http://schemas.microsoft.com/office/2006/metadata/properties" xmlns:ns3="2f33a29e-ff14-468c-8e33-3ed4c96b6fdb" xmlns:ns4="5239704a-7112-4aa6-b312-8ddda64dbb76" targetNamespace="http://schemas.microsoft.com/office/2006/metadata/properties" ma:root="true" ma:fieldsID="b1860281f361a8f6586a0dae54b1d04a" ns3:_="" ns4:_="">
     <xsd:import namespace="2f33a29e-ff14-468c-8e33-3ed4c96b6fdb"/>
@@ -9141,10 +8619,104 @@
 </ct:contentTypeSchema>
 </file>
 
+<file path=customXml/item2.xml><?xml version="1.0" encoding="utf-8"?>
+<p:properties xmlns:p="http://schemas.microsoft.com/office/2006/metadata/properties" xmlns:xsi="http://www.w3.org/2001/XMLSchema-instance" xmlns:pc="http://schemas.microsoft.com/office/infopath/2007/PartnerControls">
+  <documentManagement>
+    <AppVersion xmlns="2f33a29e-ff14-468c-8e33-3ed4c96b6fdb" xsi:nil="true"/>
+    <Owner xmlns="2f33a29e-ff14-468c-8e33-3ed4c96b6fdb">
+      <UserInfo>
+        <DisplayName/>
+        <AccountId xsi:nil="true"/>
+        <AccountType/>
+      </UserInfo>
+    </Owner>
+    <Math_Settings xmlns="2f33a29e-ff14-468c-8e33-3ed4c96b6fdb" xsi:nil="true"/>
+    <DefaultSectionNames xmlns="2f33a29e-ff14-468c-8e33-3ed4c96b6fdb" xsi:nil="true"/>
+    <Invited_Students xmlns="2f33a29e-ff14-468c-8e33-3ed4c96b6fdb" xsi:nil="true"/>
+    <Student_Groups xmlns="2f33a29e-ff14-468c-8e33-3ed4c96b6fdb">
+      <UserInfo>
+        <DisplayName/>
+        <AccountId xsi:nil="true"/>
+        <AccountType/>
+      </UserInfo>
+    </Student_Groups>
+    <Invited_Members xmlns="2f33a29e-ff14-468c-8e33-3ed4c96b6fdb" xsi:nil="true"/>
+    <TeamsChannelId xmlns="2f33a29e-ff14-468c-8e33-3ed4c96b6fdb" xsi:nil="true"/>
+    <Invited_Leaders xmlns="2f33a29e-ff14-468c-8e33-3ed4c96b6fdb" xsi:nil="true"/>
+    <Teachers xmlns="2f33a29e-ff14-468c-8e33-3ed4c96b6fdb">
+      <UserInfo>
+        <DisplayName/>
+        <AccountId xsi:nil="true"/>
+        <AccountType/>
+      </UserInfo>
+    </Teachers>
+    <Is_Collaboration_Space_Locked xmlns="2f33a29e-ff14-468c-8e33-3ed4c96b6fdb" xsi:nil="true"/>
+    <FolderType xmlns="2f33a29e-ff14-468c-8e33-3ed4c96b6fdb" xsi:nil="true"/>
+    <CultureName xmlns="2f33a29e-ff14-468c-8e33-3ed4c96b6fdb" xsi:nil="true"/>
+    <Students xmlns="2f33a29e-ff14-468c-8e33-3ed4c96b6fdb">
+      <UserInfo>
+        <DisplayName/>
+        <AccountId xsi:nil="true"/>
+        <AccountType/>
+      </UserInfo>
+    </Students>
+    <Leaders xmlns="2f33a29e-ff14-468c-8e33-3ed4c96b6fdb">
+      <UserInfo>
+        <DisplayName/>
+        <AccountId xsi:nil="true"/>
+        <AccountType/>
+      </UserInfo>
+    </Leaders>
+    <Self_Registration_Enabled xmlns="2f33a29e-ff14-468c-8e33-3ed4c96b6fdb" xsi:nil="true"/>
+    <Has_Teacher_Only_SectionGroup xmlns="2f33a29e-ff14-468c-8e33-3ed4c96b6fdb" xsi:nil="true"/>
+    <Invited_Teachers xmlns="2f33a29e-ff14-468c-8e33-3ed4c96b6fdb" xsi:nil="true"/>
+    <IsNotebookLocked xmlns="2f33a29e-ff14-468c-8e33-3ed4c96b6fdb" xsi:nil="true"/>
+    <NotebookType xmlns="2f33a29e-ff14-468c-8e33-3ed4c96b6fdb" xsi:nil="true"/>
+    <Templates xmlns="2f33a29e-ff14-468c-8e33-3ed4c96b6fdb" xsi:nil="true"/>
+    <Members xmlns="2f33a29e-ff14-468c-8e33-3ed4c96b6fdb">
+      <UserInfo>
+        <DisplayName/>
+        <AccountId xsi:nil="true"/>
+        <AccountType/>
+      </UserInfo>
+    </Members>
+    <Member_Groups xmlns="2f33a29e-ff14-468c-8e33-3ed4c96b6fdb">
+      <UserInfo>
+        <DisplayName/>
+        <AccountId xsi:nil="true"/>
+        <AccountType/>
+      </UserInfo>
+    </Member_Groups>
+    <Has_Leaders_Only_SectionGroup xmlns="2f33a29e-ff14-468c-8e33-3ed4c96b6fdb" xsi:nil="true"/>
+    <_activity xmlns="2f33a29e-ff14-468c-8e33-3ed4c96b6fdb" xsi:nil="true"/>
+  </documentManagement>
+</p:properties>
+</file>
+
+<file path=customXml/item3.xml><?xml version="1.0" encoding="utf-8"?>
+<?mso-contentType ?>
+<FormTemplates xmlns="http://schemas.microsoft.com/sharepoint/v3/contenttype/forms">
+  <Display>DocumentLibraryForm</Display>
+  <Edit>DocumentLibraryForm</Edit>
+  <New>DocumentLibraryForm</New>
+</FormTemplates>
+</file>
+
 <file path=customXml/itemProps1.xml><?xml version="1.0" encoding="utf-8"?>
-<ds:datastoreItem xmlns:ds="http://schemas.openxmlformats.org/officeDocument/2006/customXml" ds:itemID="{B185A9D6-988F-4C38-AEDC-D9C2443FA432}">
+<ds:datastoreItem xmlns:ds="http://schemas.openxmlformats.org/officeDocument/2006/customXml" ds:itemID="{6C238BF9-93D0-432C-94C8-9D983FDFEEE6}">
   <ds:schemaRefs>
-    <ds:schemaRef ds:uri="http://schemas.microsoft.com/sharepoint/v3/contenttype/forms"/>
+    <ds:schemaRef ds:uri="http://schemas.microsoft.com/office/2006/metadata/contentType"/>
+    <ds:schemaRef ds:uri="http://schemas.microsoft.com/office/2006/metadata/properties/metaAttributes"/>
+    <ds:schemaRef ds:uri="http://www.w3.org/2001/XMLSchema"/>
+    <ds:schemaRef ds:uri="http://schemas.microsoft.com/office/2006/metadata/properties"/>
+    <ds:schemaRef ds:uri="2f33a29e-ff14-468c-8e33-3ed4c96b6fdb"/>
+    <ds:schemaRef ds:uri="5239704a-7112-4aa6-b312-8ddda64dbb76"/>
+    <ds:schemaRef ds:uri="http://schemas.microsoft.com/office/2006/documentManagement/types"/>
+    <ds:schemaRef ds:uri="http://schemas.microsoft.com/office/infopath/2007/PartnerControls"/>
+    <ds:schemaRef ds:uri="http://schemas.openxmlformats.org/package/2006/metadata/core-properties"/>
+    <ds:schemaRef ds:uri="http://purl.org/dc/elements/1.1/"/>
+    <ds:schemaRef ds:uri="http://purl.org/dc/terms/"/>
+    <ds:schemaRef ds:uri="http://schemas.microsoft.com/internal/obd"/>
   </ds:schemaRefs>
 </ds:datastoreItem>
 </file>
@@ -9167,20 +8739,9 @@
 </file>
 
 <file path=customXml/itemProps3.xml><?xml version="1.0" encoding="utf-8"?>
-<ds:datastoreItem xmlns:ds="http://schemas.openxmlformats.org/officeDocument/2006/customXml" ds:itemID="{6C238BF9-93D0-432C-94C8-9D983FDFEEE6}">
+<ds:datastoreItem xmlns:ds="http://schemas.openxmlformats.org/officeDocument/2006/customXml" ds:itemID="{B185A9D6-988F-4C38-AEDC-D9C2443FA432}">
   <ds:schemaRefs>
-    <ds:schemaRef ds:uri="http://schemas.microsoft.com/office/2006/metadata/contentType"/>
-    <ds:schemaRef ds:uri="http://schemas.microsoft.com/office/2006/metadata/properties/metaAttributes"/>
-    <ds:schemaRef ds:uri="http://www.w3.org/2001/XMLSchema"/>
-    <ds:schemaRef ds:uri="http://schemas.microsoft.com/office/2006/metadata/properties"/>
-    <ds:schemaRef ds:uri="2f33a29e-ff14-468c-8e33-3ed4c96b6fdb"/>
-    <ds:schemaRef ds:uri="5239704a-7112-4aa6-b312-8ddda64dbb76"/>
-    <ds:schemaRef ds:uri="http://schemas.microsoft.com/office/2006/documentManagement/types"/>
-    <ds:schemaRef ds:uri="http://schemas.microsoft.com/office/infopath/2007/PartnerControls"/>
-    <ds:schemaRef ds:uri="http://schemas.openxmlformats.org/package/2006/metadata/core-properties"/>
-    <ds:schemaRef ds:uri="http://purl.org/dc/elements/1.1/"/>
-    <ds:schemaRef ds:uri="http://purl.org/dc/terms/"/>
-    <ds:schemaRef ds:uri="http://schemas.microsoft.com/internal/obd"/>
+    <ds:schemaRef ds:uri="http://schemas.microsoft.com/sharepoint/v3/contenttype/forms"/>
   </ds:schemaRefs>
 </ds:datastoreItem>
 </file>